--- a/De Cuong/bao cao luan van/slide 0.3 (add 2 slide danh gia).pptx
+++ b/De Cuong/bao cao luan van/slide 0.3 (add 2 slide danh gia).pptx
@@ -5,7 +5,7 @@
     <p:sldMasterId id="2147483648" r:id="rId1"/>
   </p:sldMasterIdLst>
   <p:notesMasterIdLst>
-    <p:notesMasterId r:id="rId14"/>
+    <p:notesMasterId r:id="rId16"/>
   </p:notesMasterIdLst>
   <p:sldIdLst>
     <p:sldId id="258" r:id="rId2"/>
@@ -17,9 +17,11 @@
     <p:sldId id="304" r:id="rId8"/>
     <p:sldId id="314" r:id="rId9"/>
     <p:sldId id="315" r:id="rId10"/>
-    <p:sldId id="312" r:id="rId11"/>
-    <p:sldId id="313" r:id="rId12"/>
-    <p:sldId id="267" r:id="rId13"/>
+    <p:sldId id="316" r:id="rId11"/>
+    <p:sldId id="317" r:id="rId12"/>
+    <p:sldId id="312" r:id="rId13"/>
+    <p:sldId id="313" r:id="rId14"/>
+    <p:sldId id="267" r:id="rId15"/>
   </p:sldIdLst>
   <p:sldSz cx="9144000" cy="6858000" type="screen4x3"/>
   <p:notesSz cx="6858000" cy="9144000"/>
@@ -5316,6 +5318,827 @@
           <a:p>
             <a:r>
               <a:rPr lang="en-US" dirty="0" err="1" smtClean="0"/>
+              <a:t>Kết</a:t>
+            </a:r>
+            <a:r>
+              <a:rPr lang="en-US" dirty="0" smtClean="0"/>
+              <a:t> </a:t>
+            </a:r>
+            <a:r>
+              <a:rPr lang="en-US" dirty="0" err="1" smtClean="0"/>
+              <a:t>luận</a:t>
+            </a:r>
+            <a:r>
+              <a:rPr lang="en-US" dirty="0" smtClean="0"/>
+              <a:t> </a:t>
+            </a:r>
+            <a:endParaRPr lang="en-US" dirty="0"/>
+          </a:p>
+        </p:txBody>
+      </p:sp>
+      <p:sp>
+        <p:nvSpPr>
+          <p:cNvPr id="3" name="Content Placeholder 2"/>
+          <p:cNvSpPr>
+            <a:spLocks noGrp="1"/>
+          </p:cNvSpPr>
+          <p:nvPr>
+            <p:ph idx="1"/>
+          </p:nvPr>
+        </p:nvSpPr>
+        <p:spPr/>
+        <p:txBody>
+          <a:bodyPr/>
+          <a:lstStyle/>
+          <a:p>
+            <a:pPr algn="just"/>
+            <a:r>
+              <a:rPr lang="vi-VN" sz="2000" dirty="0" smtClean="0"/>
+              <a:t>Hệ </a:t>
+            </a:r>
+            <a:r>
+              <a:rPr lang="vi-VN" sz="2000" dirty="0" smtClean="0"/>
+              <a:t>thống </a:t>
+            </a:r>
+            <a:r>
+              <a:rPr lang="vi-VN" sz="2000" dirty="0" smtClean="0"/>
+              <a:t>xây </a:t>
+            </a:r>
+            <a:r>
+              <a:rPr lang="vi-VN" sz="2000" dirty="0" smtClean="0"/>
+              <a:t>dựng nên nhằm thỏa mãn một phần nào nhu cầu của người dùng trong vấn đề tìm kiếm các bài báo khoa học. Cách thức hỏi đáp được đưa vào để khai thác nâng cao hiệu quả trong vấn đề tìm </a:t>
+            </a:r>
+            <a:r>
+              <a:rPr lang="vi-VN" sz="2000" dirty="0" smtClean="0"/>
+              <a:t>kiếm</a:t>
+            </a:r>
+            <a:r>
+              <a:rPr lang="en-US" sz="2000" dirty="0" smtClean="0"/>
+              <a:t>.</a:t>
+            </a:r>
+          </a:p>
+          <a:p>
+            <a:pPr algn="just"/>
+            <a:r>
+              <a:rPr lang="en-US" sz="2000" dirty="0" smtClean="0"/>
+              <a:t>V</a:t>
+            </a:r>
+            <a:r>
+              <a:rPr lang="vi-VN" sz="2000" dirty="0" smtClean="0"/>
+              <a:t>iệc sử dụng một câu hỏi dưới dạng ngôn ngữ tự nhiên để tìm kiếm một thông tin hay tài liệu nào đó có th</a:t>
+            </a:r>
+            <a:r>
+              <a:rPr lang="en-US" sz="2000" dirty="0" smtClean="0"/>
+              <a:t>ể</a:t>
+            </a:r>
+            <a:r>
+              <a:rPr lang="vi-VN" sz="2000" dirty="0" smtClean="0"/>
+              <a:t> sẽ là một phương pháp tìm kiếm trong tương tai</a:t>
+            </a:r>
+            <a:endParaRPr lang="en-US" sz="2000" dirty="0" smtClean="0"/>
+          </a:p>
+          <a:p>
+            <a:endParaRPr lang="en-US" dirty="0"/>
+          </a:p>
+        </p:txBody>
+      </p:sp>
+    </p:spTree>
+  </p:cSld>
+  <p:clrMapOvr>
+    <a:masterClrMapping/>
+  </p:clrMapOvr>
+  <p:timing>
+    <p:tnLst>
+      <p:par>
+        <p:cTn id="1" dur="indefinite" restart="never" nodeType="tmRoot">
+          <p:childTnLst>
+            <p:seq concurrent="1" nextAc="seek">
+              <p:cTn id="2" dur="indefinite" nodeType="mainSeq">
+                <p:childTnLst>
+                  <p:par>
+                    <p:cTn id="3" fill="hold">
+                      <p:stCondLst>
+                        <p:cond delay="indefinite"/>
+                      </p:stCondLst>
+                      <p:childTnLst>
+                        <p:par>
+                          <p:cTn id="4" fill="hold">
+                            <p:stCondLst>
+                              <p:cond delay="0"/>
+                            </p:stCondLst>
+                            <p:childTnLst>
+                              <p:par>
+                                <p:cTn id="5" presetID="2" presetClass="entr" presetSubtype="4" fill="hold" nodeType="clickEffect">
+                                  <p:stCondLst>
+                                    <p:cond delay="0"/>
+                                  </p:stCondLst>
+                                  <p:childTnLst>
+                                    <p:set>
+                                      <p:cBhvr>
+                                        <p:cTn id="6" dur="1" fill="hold">
+                                          <p:stCondLst>
+                                            <p:cond delay="0"/>
+                                          </p:stCondLst>
+                                        </p:cTn>
+                                        <p:tgtEl>
+                                          <p:spTgt spid="3">
+                                            <p:txEl>
+                                              <p:pRg st="0" end="0"/>
+                                            </p:txEl>
+                                          </p:spTgt>
+                                        </p:tgtEl>
+                                        <p:attrNameLst>
+                                          <p:attrName>style.visibility</p:attrName>
+                                        </p:attrNameLst>
+                                      </p:cBhvr>
+                                      <p:to>
+                                        <p:strVal val="visible"/>
+                                      </p:to>
+                                    </p:set>
+                                    <p:anim calcmode="lin" valueType="num">
+                                      <p:cBhvr additive="base">
+                                        <p:cTn id="7" dur="500" fill="hold"/>
+                                        <p:tgtEl>
+                                          <p:spTgt spid="3">
+                                            <p:txEl>
+                                              <p:pRg st="0" end="0"/>
+                                            </p:txEl>
+                                          </p:spTgt>
+                                        </p:tgtEl>
+                                        <p:attrNameLst>
+                                          <p:attrName>ppt_x</p:attrName>
+                                        </p:attrNameLst>
+                                      </p:cBhvr>
+                                      <p:tavLst>
+                                        <p:tav tm="0">
+                                          <p:val>
+                                            <p:strVal val="#ppt_x"/>
+                                          </p:val>
+                                        </p:tav>
+                                        <p:tav tm="100000">
+                                          <p:val>
+                                            <p:strVal val="#ppt_x"/>
+                                          </p:val>
+                                        </p:tav>
+                                      </p:tavLst>
+                                    </p:anim>
+                                    <p:anim calcmode="lin" valueType="num">
+                                      <p:cBhvr additive="base">
+                                        <p:cTn id="8" dur="500" fill="hold"/>
+                                        <p:tgtEl>
+                                          <p:spTgt spid="3">
+                                            <p:txEl>
+                                              <p:pRg st="0" end="0"/>
+                                            </p:txEl>
+                                          </p:spTgt>
+                                        </p:tgtEl>
+                                        <p:attrNameLst>
+                                          <p:attrName>ppt_y</p:attrName>
+                                        </p:attrNameLst>
+                                      </p:cBhvr>
+                                      <p:tavLst>
+                                        <p:tav tm="0">
+                                          <p:val>
+                                            <p:strVal val="1+#ppt_h/2"/>
+                                          </p:val>
+                                        </p:tav>
+                                        <p:tav tm="100000">
+                                          <p:val>
+                                            <p:strVal val="#ppt_y"/>
+                                          </p:val>
+                                        </p:tav>
+                                      </p:tavLst>
+                                    </p:anim>
+                                  </p:childTnLst>
+                                </p:cTn>
+                              </p:par>
+                            </p:childTnLst>
+                          </p:cTn>
+                        </p:par>
+                      </p:childTnLst>
+                    </p:cTn>
+                  </p:par>
+                  <p:par>
+                    <p:cTn id="9" fill="hold">
+                      <p:stCondLst>
+                        <p:cond delay="indefinite"/>
+                      </p:stCondLst>
+                      <p:childTnLst>
+                        <p:par>
+                          <p:cTn id="10" fill="hold">
+                            <p:stCondLst>
+                              <p:cond delay="0"/>
+                            </p:stCondLst>
+                            <p:childTnLst>
+                              <p:par>
+                                <p:cTn id="11" presetID="2" presetClass="entr" presetSubtype="4" fill="hold" nodeType="clickEffect">
+                                  <p:stCondLst>
+                                    <p:cond delay="0"/>
+                                  </p:stCondLst>
+                                  <p:childTnLst>
+                                    <p:set>
+                                      <p:cBhvr>
+                                        <p:cTn id="12" dur="1" fill="hold">
+                                          <p:stCondLst>
+                                            <p:cond delay="0"/>
+                                          </p:stCondLst>
+                                        </p:cTn>
+                                        <p:tgtEl>
+                                          <p:spTgt spid="3">
+                                            <p:txEl>
+                                              <p:pRg st="1" end="1"/>
+                                            </p:txEl>
+                                          </p:spTgt>
+                                        </p:tgtEl>
+                                        <p:attrNameLst>
+                                          <p:attrName>style.visibility</p:attrName>
+                                        </p:attrNameLst>
+                                      </p:cBhvr>
+                                      <p:to>
+                                        <p:strVal val="visible"/>
+                                      </p:to>
+                                    </p:set>
+                                    <p:anim calcmode="lin" valueType="num">
+                                      <p:cBhvr additive="base">
+                                        <p:cTn id="13" dur="500" fill="hold"/>
+                                        <p:tgtEl>
+                                          <p:spTgt spid="3">
+                                            <p:txEl>
+                                              <p:pRg st="1" end="1"/>
+                                            </p:txEl>
+                                          </p:spTgt>
+                                        </p:tgtEl>
+                                        <p:attrNameLst>
+                                          <p:attrName>ppt_x</p:attrName>
+                                        </p:attrNameLst>
+                                      </p:cBhvr>
+                                      <p:tavLst>
+                                        <p:tav tm="0">
+                                          <p:val>
+                                            <p:strVal val="#ppt_x"/>
+                                          </p:val>
+                                        </p:tav>
+                                        <p:tav tm="100000">
+                                          <p:val>
+                                            <p:strVal val="#ppt_x"/>
+                                          </p:val>
+                                        </p:tav>
+                                      </p:tavLst>
+                                    </p:anim>
+                                    <p:anim calcmode="lin" valueType="num">
+                                      <p:cBhvr additive="base">
+                                        <p:cTn id="14" dur="500" fill="hold"/>
+                                        <p:tgtEl>
+                                          <p:spTgt spid="3">
+                                            <p:txEl>
+                                              <p:pRg st="1" end="1"/>
+                                            </p:txEl>
+                                          </p:spTgt>
+                                        </p:tgtEl>
+                                        <p:attrNameLst>
+                                          <p:attrName>ppt_y</p:attrName>
+                                        </p:attrNameLst>
+                                      </p:cBhvr>
+                                      <p:tavLst>
+                                        <p:tav tm="0">
+                                          <p:val>
+                                            <p:strVal val="1+#ppt_h/2"/>
+                                          </p:val>
+                                        </p:tav>
+                                        <p:tav tm="100000">
+                                          <p:val>
+                                            <p:strVal val="#ppt_y"/>
+                                          </p:val>
+                                        </p:tav>
+                                      </p:tavLst>
+                                    </p:anim>
+                                  </p:childTnLst>
+                                </p:cTn>
+                              </p:par>
+                            </p:childTnLst>
+                          </p:cTn>
+                        </p:par>
+                      </p:childTnLst>
+                    </p:cTn>
+                  </p:par>
+                </p:childTnLst>
+              </p:cTn>
+              <p:prevCondLst>
+                <p:cond evt="onPrev" delay="0">
+                  <p:tgtEl>
+                    <p:sldTgt/>
+                  </p:tgtEl>
+                </p:cond>
+              </p:prevCondLst>
+              <p:nextCondLst>
+                <p:cond evt="onNext" delay="0">
+                  <p:tgtEl>
+                    <p:sldTgt/>
+                  </p:tgtEl>
+                </p:cond>
+              </p:nextCondLst>
+            </p:seq>
+          </p:childTnLst>
+        </p:cTn>
+      </p:par>
+    </p:tnLst>
+  </p:timing>
+</p:sld>
+</file>
+
+<file path=ppt/slides/slide11.xml><?xml version="1.0" encoding="utf-8"?>
+<p:sld xmlns:a="http://schemas.openxmlformats.org/drawingml/2006/main" xmlns:r="http://schemas.openxmlformats.org/officeDocument/2006/relationships" xmlns:p="http://schemas.openxmlformats.org/presentationml/2006/main">
+  <p:cSld>
+    <p:spTree>
+      <p:nvGrpSpPr>
+        <p:cNvPr id="1" name=""/>
+        <p:cNvGrpSpPr/>
+        <p:nvPr/>
+      </p:nvGrpSpPr>
+      <p:grpSpPr>
+        <a:xfrm>
+          <a:off x="0" y="0"/>
+          <a:ext cx="0" cy="0"/>
+          <a:chOff x="0" y="0"/>
+          <a:chExt cx="0" cy="0"/>
+        </a:xfrm>
+      </p:grpSpPr>
+      <p:sp>
+        <p:nvSpPr>
+          <p:cNvPr id="2" name="Title 1"/>
+          <p:cNvSpPr>
+            <a:spLocks noGrp="1"/>
+          </p:cNvSpPr>
+          <p:nvPr>
+            <p:ph type="title"/>
+          </p:nvPr>
+        </p:nvSpPr>
+        <p:spPr/>
+        <p:txBody>
+          <a:bodyPr/>
+          <a:lstStyle/>
+          <a:p>
+            <a:r>
+              <a:rPr lang="en-US" dirty="0" err="1" smtClean="0"/>
+              <a:t>Hướng</a:t>
+            </a:r>
+            <a:r>
+              <a:rPr lang="en-US" dirty="0" smtClean="0"/>
+              <a:t> </a:t>
+            </a:r>
+            <a:r>
+              <a:rPr lang="en-US" dirty="0" err="1" smtClean="0"/>
+              <a:t>phát</a:t>
+            </a:r>
+            <a:r>
+              <a:rPr lang="en-US" dirty="0" smtClean="0"/>
+              <a:t> </a:t>
+            </a:r>
+            <a:r>
+              <a:rPr lang="en-US" dirty="0" err="1" smtClean="0"/>
+              <a:t>triển</a:t>
+            </a:r>
+            <a:endParaRPr lang="en-US" dirty="0"/>
+          </a:p>
+        </p:txBody>
+      </p:sp>
+      <p:sp>
+        <p:nvSpPr>
+          <p:cNvPr id="3" name="Content Placeholder 2"/>
+          <p:cNvSpPr>
+            <a:spLocks noGrp="1"/>
+          </p:cNvSpPr>
+          <p:nvPr>
+            <p:ph idx="1"/>
+          </p:nvPr>
+        </p:nvSpPr>
+        <p:spPr/>
+        <p:txBody>
+          <a:bodyPr/>
+          <a:lstStyle/>
+          <a:p>
+            <a:pPr algn="just"/>
+            <a:r>
+              <a:rPr lang="vi-VN" sz="2000" dirty="0" smtClean="0"/>
+              <a:t>Gợi </a:t>
+            </a:r>
+            <a:r>
+              <a:rPr lang="vi-VN" sz="2000" dirty="0" smtClean="0"/>
+              <a:t>ý các câu hỏi tương tự cho người dùng, mô-đun đưa ra một số hướng xử lý khi người dùng nhập không chính xác tên tác giả, tổ chức hay tiêu đề (với trường hợp như thế có thể chỉnh sửa lại hoặc gợi ý giá trị đúng cho người dùng</a:t>
+            </a:r>
+            <a:r>
+              <a:rPr lang="vi-VN" sz="2000" dirty="0" smtClean="0"/>
+              <a:t>)</a:t>
+            </a:r>
+            <a:endParaRPr lang="en-US" sz="2000" dirty="0" smtClean="0"/>
+          </a:p>
+          <a:p>
+            <a:pPr algn="just"/>
+            <a:r>
+              <a:rPr lang="vi-VN" sz="2000" dirty="0" smtClean="0"/>
+              <a:t>Mô-đun </a:t>
+            </a:r>
+            <a:r>
+              <a:rPr lang="vi-VN" sz="2000" dirty="0" smtClean="0"/>
+              <a:t>có thể chỉnh lỗi chính tả khi người dùng nhập sai chính tả, vì đôi khi người dùng có thể nhập sai một từ nào đó trong câu hỏi. </a:t>
+            </a:r>
+            <a:endParaRPr lang="en-US" sz="2000" dirty="0" smtClean="0"/>
+          </a:p>
+          <a:p>
+            <a:pPr algn="just"/>
+            <a:r>
+              <a:rPr lang="vi-VN" sz="2000" dirty="0" smtClean="0"/>
+              <a:t>Đề </a:t>
+            </a:r>
+            <a:r>
+              <a:rPr lang="vi-VN" sz="2000" dirty="0" smtClean="0"/>
+              <a:t>tài có dự định áp dụng phương pháp hỏi đáp đề xuất trên cho một cơ sở dữ liệu khác là Ontology – một cơ sở dữ liệu đã tổ chức theo ngữ nghĩa</a:t>
+            </a:r>
+            <a:endParaRPr lang="en-US" sz="2000" dirty="0"/>
+          </a:p>
+        </p:txBody>
+      </p:sp>
+    </p:spTree>
+  </p:cSld>
+  <p:clrMapOvr>
+    <a:masterClrMapping/>
+  </p:clrMapOvr>
+  <p:timing>
+    <p:tnLst>
+      <p:par>
+        <p:cTn id="1" dur="indefinite" restart="never" nodeType="tmRoot">
+          <p:childTnLst>
+            <p:seq concurrent="1" nextAc="seek">
+              <p:cTn id="2" dur="indefinite" nodeType="mainSeq">
+                <p:childTnLst>
+                  <p:par>
+                    <p:cTn id="3" fill="hold">
+                      <p:stCondLst>
+                        <p:cond delay="indefinite"/>
+                      </p:stCondLst>
+                      <p:childTnLst>
+                        <p:par>
+                          <p:cTn id="4" fill="hold">
+                            <p:stCondLst>
+                              <p:cond delay="0"/>
+                            </p:stCondLst>
+                            <p:childTnLst>
+                              <p:par>
+                                <p:cTn id="5" presetID="2" presetClass="entr" presetSubtype="4" fill="hold" nodeType="clickEffect">
+                                  <p:stCondLst>
+                                    <p:cond delay="0"/>
+                                  </p:stCondLst>
+                                  <p:childTnLst>
+                                    <p:set>
+                                      <p:cBhvr>
+                                        <p:cTn id="6" dur="1" fill="hold">
+                                          <p:stCondLst>
+                                            <p:cond delay="0"/>
+                                          </p:stCondLst>
+                                        </p:cTn>
+                                        <p:tgtEl>
+                                          <p:spTgt spid="3">
+                                            <p:txEl>
+                                              <p:pRg st="0" end="0"/>
+                                            </p:txEl>
+                                          </p:spTgt>
+                                        </p:tgtEl>
+                                        <p:attrNameLst>
+                                          <p:attrName>style.visibility</p:attrName>
+                                        </p:attrNameLst>
+                                      </p:cBhvr>
+                                      <p:to>
+                                        <p:strVal val="visible"/>
+                                      </p:to>
+                                    </p:set>
+                                    <p:anim calcmode="lin" valueType="num">
+                                      <p:cBhvr additive="base">
+                                        <p:cTn id="7" dur="500" fill="hold"/>
+                                        <p:tgtEl>
+                                          <p:spTgt spid="3">
+                                            <p:txEl>
+                                              <p:pRg st="0" end="0"/>
+                                            </p:txEl>
+                                          </p:spTgt>
+                                        </p:tgtEl>
+                                        <p:attrNameLst>
+                                          <p:attrName>ppt_x</p:attrName>
+                                        </p:attrNameLst>
+                                      </p:cBhvr>
+                                      <p:tavLst>
+                                        <p:tav tm="0">
+                                          <p:val>
+                                            <p:strVal val="#ppt_x"/>
+                                          </p:val>
+                                        </p:tav>
+                                        <p:tav tm="100000">
+                                          <p:val>
+                                            <p:strVal val="#ppt_x"/>
+                                          </p:val>
+                                        </p:tav>
+                                      </p:tavLst>
+                                    </p:anim>
+                                    <p:anim calcmode="lin" valueType="num">
+                                      <p:cBhvr additive="base">
+                                        <p:cTn id="8" dur="500" fill="hold"/>
+                                        <p:tgtEl>
+                                          <p:spTgt spid="3">
+                                            <p:txEl>
+                                              <p:pRg st="0" end="0"/>
+                                            </p:txEl>
+                                          </p:spTgt>
+                                        </p:tgtEl>
+                                        <p:attrNameLst>
+                                          <p:attrName>ppt_y</p:attrName>
+                                        </p:attrNameLst>
+                                      </p:cBhvr>
+                                      <p:tavLst>
+                                        <p:tav tm="0">
+                                          <p:val>
+                                            <p:strVal val="1+#ppt_h/2"/>
+                                          </p:val>
+                                        </p:tav>
+                                        <p:tav tm="100000">
+                                          <p:val>
+                                            <p:strVal val="#ppt_y"/>
+                                          </p:val>
+                                        </p:tav>
+                                      </p:tavLst>
+                                    </p:anim>
+                                  </p:childTnLst>
+                                </p:cTn>
+                              </p:par>
+                            </p:childTnLst>
+                          </p:cTn>
+                        </p:par>
+                      </p:childTnLst>
+                    </p:cTn>
+                  </p:par>
+                  <p:par>
+                    <p:cTn id="9" fill="hold">
+                      <p:stCondLst>
+                        <p:cond delay="indefinite"/>
+                      </p:stCondLst>
+                      <p:childTnLst>
+                        <p:par>
+                          <p:cTn id="10" fill="hold">
+                            <p:stCondLst>
+                              <p:cond delay="0"/>
+                            </p:stCondLst>
+                            <p:childTnLst>
+                              <p:par>
+                                <p:cTn id="11" presetID="2" presetClass="entr" presetSubtype="4" fill="hold" nodeType="clickEffect">
+                                  <p:stCondLst>
+                                    <p:cond delay="0"/>
+                                  </p:stCondLst>
+                                  <p:childTnLst>
+                                    <p:set>
+                                      <p:cBhvr>
+                                        <p:cTn id="12" dur="1" fill="hold">
+                                          <p:stCondLst>
+                                            <p:cond delay="0"/>
+                                          </p:stCondLst>
+                                        </p:cTn>
+                                        <p:tgtEl>
+                                          <p:spTgt spid="3">
+                                            <p:txEl>
+                                              <p:pRg st="1" end="1"/>
+                                            </p:txEl>
+                                          </p:spTgt>
+                                        </p:tgtEl>
+                                        <p:attrNameLst>
+                                          <p:attrName>style.visibility</p:attrName>
+                                        </p:attrNameLst>
+                                      </p:cBhvr>
+                                      <p:to>
+                                        <p:strVal val="visible"/>
+                                      </p:to>
+                                    </p:set>
+                                    <p:anim calcmode="lin" valueType="num">
+                                      <p:cBhvr additive="base">
+                                        <p:cTn id="13" dur="500" fill="hold"/>
+                                        <p:tgtEl>
+                                          <p:spTgt spid="3">
+                                            <p:txEl>
+                                              <p:pRg st="1" end="1"/>
+                                            </p:txEl>
+                                          </p:spTgt>
+                                        </p:tgtEl>
+                                        <p:attrNameLst>
+                                          <p:attrName>ppt_x</p:attrName>
+                                        </p:attrNameLst>
+                                      </p:cBhvr>
+                                      <p:tavLst>
+                                        <p:tav tm="0">
+                                          <p:val>
+                                            <p:strVal val="#ppt_x"/>
+                                          </p:val>
+                                        </p:tav>
+                                        <p:tav tm="100000">
+                                          <p:val>
+                                            <p:strVal val="#ppt_x"/>
+                                          </p:val>
+                                        </p:tav>
+                                      </p:tavLst>
+                                    </p:anim>
+                                    <p:anim calcmode="lin" valueType="num">
+                                      <p:cBhvr additive="base">
+                                        <p:cTn id="14" dur="500" fill="hold"/>
+                                        <p:tgtEl>
+                                          <p:spTgt spid="3">
+                                            <p:txEl>
+                                              <p:pRg st="1" end="1"/>
+                                            </p:txEl>
+                                          </p:spTgt>
+                                        </p:tgtEl>
+                                        <p:attrNameLst>
+                                          <p:attrName>ppt_y</p:attrName>
+                                        </p:attrNameLst>
+                                      </p:cBhvr>
+                                      <p:tavLst>
+                                        <p:tav tm="0">
+                                          <p:val>
+                                            <p:strVal val="1+#ppt_h/2"/>
+                                          </p:val>
+                                        </p:tav>
+                                        <p:tav tm="100000">
+                                          <p:val>
+                                            <p:strVal val="#ppt_y"/>
+                                          </p:val>
+                                        </p:tav>
+                                      </p:tavLst>
+                                    </p:anim>
+                                  </p:childTnLst>
+                                </p:cTn>
+                              </p:par>
+                            </p:childTnLst>
+                          </p:cTn>
+                        </p:par>
+                      </p:childTnLst>
+                    </p:cTn>
+                  </p:par>
+                  <p:par>
+                    <p:cTn id="15" fill="hold">
+                      <p:stCondLst>
+                        <p:cond delay="indefinite"/>
+                      </p:stCondLst>
+                      <p:childTnLst>
+                        <p:par>
+                          <p:cTn id="16" fill="hold">
+                            <p:stCondLst>
+                              <p:cond delay="0"/>
+                            </p:stCondLst>
+                            <p:childTnLst>
+                              <p:par>
+                                <p:cTn id="17" presetID="2" presetClass="entr" presetSubtype="4" fill="hold" nodeType="clickEffect">
+                                  <p:stCondLst>
+                                    <p:cond delay="0"/>
+                                  </p:stCondLst>
+                                  <p:childTnLst>
+                                    <p:set>
+                                      <p:cBhvr>
+                                        <p:cTn id="18" dur="1" fill="hold">
+                                          <p:stCondLst>
+                                            <p:cond delay="0"/>
+                                          </p:stCondLst>
+                                        </p:cTn>
+                                        <p:tgtEl>
+                                          <p:spTgt spid="3">
+                                            <p:txEl>
+                                              <p:pRg st="2" end="2"/>
+                                            </p:txEl>
+                                          </p:spTgt>
+                                        </p:tgtEl>
+                                        <p:attrNameLst>
+                                          <p:attrName>style.visibility</p:attrName>
+                                        </p:attrNameLst>
+                                      </p:cBhvr>
+                                      <p:to>
+                                        <p:strVal val="visible"/>
+                                      </p:to>
+                                    </p:set>
+                                    <p:anim calcmode="lin" valueType="num">
+                                      <p:cBhvr additive="base">
+                                        <p:cTn id="19" dur="500" fill="hold"/>
+                                        <p:tgtEl>
+                                          <p:spTgt spid="3">
+                                            <p:txEl>
+                                              <p:pRg st="2" end="2"/>
+                                            </p:txEl>
+                                          </p:spTgt>
+                                        </p:tgtEl>
+                                        <p:attrNameLst>
+                                          <p:attrName>ppt_x</p:attrName>
+                                        </p:attrNameLst>
+                                      </p:cBhvr>
+                                      <p:tavLst>
+                                        <p:tav tm="0">
+                                          <p:val>
+                                            <p:strVal val="#ppt_x"/>
+                                          </p:val>
+                                        </p:tav>
+                                        <p:tav tm="100000">
+                                          <p:val>
+                                            <p:strVal val="#ppt_x"/>
+                                          </p:val>
+                                        </p:tav>
+                                      </p:tavLst>
+                                    </p:anim>
+                                    <p:anim calcmode="lin" valueType="num">
+                                      <p:cBhvr additive="base">
+                                        <p:cTn id="20" dur="500" fill="hold"/>
+                                        <p:tgtEl>
+                                          <p:spTgt spid="3">
+                                            <p:txEl>
+                                              <p:pRg st="2" end="2"/>
+                                            </p:txEl>
+                                          </p:spTgt>
+                                        </p:tgtEl>
+                                        <p:attrNameLst>
+                                          <p:attrName>ppt_y</p:attrName>
+                                        </p:attrNameLst>
+                                      </p:cBhvr>
+                                      <p:tavLst>
+                                        <p:tav tm="0">
+                                          <p:val>
+                                            <p:strVal val="1+#ppt_h/2"/>
+                                          </p:val>
+                                        </p:tav>
+                                        <p:tav tm="100000">
+                                          <p:val>
+                                            <p:strVal val="#ppt_y"/>
+                                          </p:val>
+                                        </p:tav>
+                                      </p:tavLst>
+                                    </p:anim>
+                                  </p:childTnLst>
+                                </p:cTn>
+                              </p:par>
+                            </p:childTnLst>
+                          </p:cTn>
+                        </p:par>
+                      </p:childTnLst>
+                    </p:cTn>
+                  </p:par>
+                </p:childTnLst>
+              </p:cTn>
+              <p:prevCondLst>
+                <p:cond evt="onPrev" delay="0">
+                  <p:tgtEl>
+                    <p:sldTgt/>
+                  </p:tgtEl>
+                </p:cond>
+              </p:prevCondLst>
+              <p:nextCondLst>
+                <p:cond evt="onNext" delay="0">
+                  <p:tgtEl>
+                    <p:sldTgt/>
+                  </p:tgtEl>
+                </p:cond>
+              </p:nextCondLst>
+            </p:seq>
+          </p:childTnLst>
+        </p:cTn>
+      </p:par>
+    </p:tnLst>
+  </p:timing>
+</p:sld>
+</file>
+
+<file path=ppt/slides/slide12.xml><?xml version="1.0" encoding="utf-8"?>
+<p:sld xmlns:a="http://schemas.openxmlformats.org/drawingml/2006/main" xmlns:r="http://schemas.openxmlformats.org/officeDocument/2006/relationships" xmlns:p="http://schemas.openxmlformats.org/presentationml/2006/main">
+  <p:cSld>
+    <p:spTree>
+      <p:nvGrpSpPr>
+        <p:cNvPr id="1" name=""/>
+        <p:cNvGrpSpPr/>
+        <p:nvPr/>
+      </p:nvGrpSpPr>
+      <p:grpSpPr>
+        <a:xfrm>
+          <a:off x="0" y="0"/>
+          <a:ext cx="0" cy="0"/>
+          <a:chOff x="0" y="0"/>
+          <a:chExt cx="0" cy="0"/>
+        </a:xfrm>
+      </p:grpSpPr>
+      <p:sp>
+        <p:nvSpPr>
+          <p:cNvPr id="2" name="Title 1"/>
+          <p:cNvSpPr>
+            <a:spLocks noGrp="1"/>
+          </p:cNvSpPr>
+          <p:nvPr>
+            <p:ph type="title"/>
+          </p:nvPr>
+        </p:nvSpPr>
+        <p:spPr/>
+        <p:txBody>
+          <a:bodyPr/>
+          <a:lstStyle/>
+          <a:p>
+            <a:r>
+              <a:rPr lang="en-US" dirty="0" err="1" smtClean="0"/>
               <a:t>Các</a:t>
             </a:r>
             <a:r>
@@ -5371,311 +6194,308 @@
           <a:p>
             <a:pPr lvl="0"/>
             <a:r>
-              <a:rPr lang="en-US" sz="1600" i="1" dirty="0" smtClean="0"/>
+              <a:rPr lang="en-US" sz="1600" dirty="0" smtClean="0"/>
               <a:t>[1] </a:t>
             </a:r>
             <a:r>
-              <a:rPr lang="vi-VN" sz="1600" i="1" dirty="0" smtClean="0"/>
+              <a:rPr lang="vi-VN" sz="1600" dirty="0" smtClean="0"/>
               <a:t>Đỗ Thị Thanh Tuyền, </a:t>
             </a:r>
             <a:r>
-              <a:rPr lang="vi-VN" sz="1600" b="1" i="1" dirty="0" smtClean="0"/>
+              <a:rPr lang="vi-VN" sz="1600" b="1" dirty="0" smtClean="0"/>
               <a:t>Xây dựng hệ thống tra cứu thư viên điện tử bằng ngôn ngữ tự nhiên</a:t>
             </a:r>
             <a:r>
-              <a:rPr lang="vi-VN" sz="1600" i="1" dirty="0" smtClean="0"/>
+              <a:rPr lang="vi-VN" sz="1600" dirty="0" smtClean="0"/>
               <a:t>, luận văn Thạc Sĩ Công Nghệ Thông Tin, Tp. HC</a:t>
             </a:r>
             <a:r>
-              <a:rPr lang="en-US" sz="1600" i="1" dirty="0" smtClean="0"/>
+              <a:rPr lang="en-US" sz="1600" dirty="0" smtClean="0"/>
               <a:t>M, 2008</a:t>
             </a:r>
             <a:r>
-              <a:rPr lang="vi-VN" sz="1600" i="1" dirty="0" smtClean="0"/>
-              <a:t>.</a:t>
-            </a:r>
-            <a:endParaRPr lang="en-US" sz="1600" i="1" dirty="0" smtClean="0"/>
-          </a:p>
-          <a:p>
-            <a:r>
-              <a:rPr lang="en-US" sz="1600" i="1" dirty="0" smtClean="0"/>
-              <a:t>[2] </a:t>
-            </a:r>
-            <a:r>
-              <a:rPr lang="vi-VN" sz="1600" i="1" dirty="0" smtClean="0"/>
-              <a:t>Cao Duy Trường, </a:t>
-            </a:r>
-            <a:r>
-              <a:rPr lang="vi-VN" sz="1600" b="1" i="1" dirty="0" smtClean="0"/>
-              <a:t>Dịch câu truy vấn có cấu trúc sang đồ thị ý niệm: cách tiếp cận ít phụ thuộc vào cú pháp</a:t>
-            </a:r>
-            <a:r>
-              <a:rPr lang="vi-VN" sz="1600" i="1" dirty="0" smtClean="0"/>
-              <a:t>, luận văn Thạc Sĩ,</a:t>
-            </a:r>
-            <a:r>
-              <a:rPr lang="vi-VN" sz="1600" b="1" i="1" dirty="0" smtClean="0"/>
-              <a:t> </a:t>
-            </a:r>
-            <a:r>
-              <a:rPr lang="vi-VN" sz="1600" i="1" dirty="0" smtClean="0"/>
-              <a:t>trường Đại học Bách Khoa,</a:t>
-            </a:r>
-            <a:r>
-              <a:rPr lang="vi-VN" sz="1600" b="1" i="1" dirty="0" smtClean="0"/>
-              <a:t> </a:t>
-            </a:r>
-            <a:r>
-              <a:rPr lang="vi-VN" sz="1600" i="1" dirty="0" smtClean="0"/>
-              <a:t>Tp.HCM</a:t>
-            </a:r>
-            <a:r>
-              <a:rPr lang="vi-VN" sz="1600" b="1" i="1" dirty="0" smtClean="0"/>
-              <a:t>, </a:t>
-            </a:r>
-            <a:r>
-              <a:rPr lang="vi-VN" sz="1600" i="1" dirty="0" smtClean="0"/>
-              <a:t>2008</a:t>
-            </a:r>
-            <a:r>
-              <a:rPr lang="vi-VN" sz="1600" b="1" i="1" dirty="0" smtClean="0"/>
+              <a:rPr lang="vi-VN" sz="1600" dirty="0" smtClean="0"/>
               <a:t>.</a:t>
             </a:r>
             <a:endParaRPr lang="en-US" sz="1600" dirty="0" smtClean="0"/>
           </a:p>
           <a:p>
             <a:r>
-              <a:rPr lang="en-US" sz="1600" i="1" dirty="0" smtClean="0"/>
-              <a:t>[3] </a:t>
-            </a:r>
-            <a:r>
-              <a:rPr lang="en-US" sz="1600" i="1" dirty="0" err="1" smtClean="0"/>
-              <a:t>Lorand</a:t>
-            </a:r>
-            <a:r>
-              <a:rPr lang="en-US" sz="1600" i="1" dirty="0" smtClean="0"/>
-              <a:t> Dali, Delia </a:t>
-            </a:r>
-            <a:r>
-              <a:rPr lang="en-US" sz="1600" i="1" dirty="0" err="1" smtClean="0"/>
-              <a:t>Rusu</a:t>
-            </a:r>
-            <a:r>
-              <a:rPr lang="en-US" sz="1600" i="1" dirty="0" smtClean="0"/>
+              <a:rPr lang="en-US" sz="1600" dirty="0" smtClean="0"/>
+              <a:t>[2] </a:t>
+            </a:r>
+            <a:r>
+              <a:rPr lang="vi-VN" sz="1600" dirty="0" smtClean="0"/>
+              <a:t>Cao Duy Trường, </a:t>
+            </a:r>
+            <a:r>
+              <a:rPr lang="vi-VN" sz="1600" b="1" dirty="0" smtClean="0"/>
+              <a:t>Dịch câu truy vấn có cấu trúc sang đồ thị ý niệm: cách tiếp cận ít phụ thuộc vào cú pháp</a:t>
+            </a:r>
+            <a:r>
+              <a:rPr lang="vi-VN" sz="1600" dirty="0" smtClean="0"/>
+              <a:t>, luận văn Thạc Sĩ,</a:t>
+            </a:r>
+            <a:r>
+              <a:rPr lang="vi-VN" sz="1600" b="1" dirty="0" smtClean="0"/>
+              <a:t> </a:t>
+            </a:r>
+            <a:r>
+              <a:rPr lang="vi-VN" sz="1600" dirty="0" smtClean="0"/>
+              <a:t>trường Đại học Bách Khoa,</a:t>
+            </a:r>
+            <a:r>
+              <a:rPr lang="vi-VN" sz="1600" b="1" dirty="0" smtClean="0"/>
+              <a:t> </a:t>
+            </a:r>
+            <a:r>
+              <a:rPr lang="vi-VN" sz="1600" dirty="0" smtClean="0"/>
+              <a:t>Tp.HCM</a:t>
+            </a:r>
+            <a:r>
+              <a:rPr lang="vi-VN" sz="1600" b="1" dirty="0" smtClean="0"/>
               <a:t>, </a:t>
             </a:r>
             <a:r>
-              <a:rPr lang="en-US" sz="1600" i="1" dirty="0" err="1" smtClean="0"/>
-              <a:t>Blaz</a:t>
-            </a:r>
-            <a:r>
-              <a:rPr lang="en-US" sz="1600" i="1" dirty="0" smtClean="0"/>
-              <a:t> Fortuna, </a:t>
-            </a:r>
-            <a:r>
-              <a:rPr lang="en-US" sz="1600" i="1" dirty="0" err="1" smtClean="0"/>
-              <a:t>Dunja</a:t>
-            </a:r>
-            <a:r>
-              <a:rPr lang="en-US" sz="1600" i="1" dirty="0" smtClean="0"/>
-              <a:t> </a:t>
-            </a:r>
-            <a:r>
-              <a:rPr lang="en-US" sz="1600" i="1" dirty="0" err="1" smtClean="0"/>
-              <a:t>Mladenic</a:t>
-            </a:r>
-            <a:r>
-              <a:rPr lang="en-US" sz="1600" i="1" dirty="0" smtClean="0"/>
-              <a:t> and Marko </a:t>
-            </a:r>
-            <a:r>
-              <a:rPr lang="en-US" sz="1600" i="1" dirty="0" err="1" smtClean="0"/>
-              <a:t>Grobelnik</a:t>
-            </a:r>
-            <a:r>
-              <a:rPr lang="vi-VN" sz="1600" i="1" dirty="0" smtClean="0"/>
-              <a:t>, </a:t>
-            </a:r>
-            <a:r>
-              <a:rPr lang="en-US" sz="1600" b="1" i="1" dirty="0" smtClean="0"/>
-              <a:t>Question Answering Based on Semantic </a:t>
-            </a:r>
-            <a:r>
-              <a:rPr lang="en-US" sz="1600" b="1" i="1" dirty="0" err="1" smtClean="0"/>
-              <a:t>Grahps</a:t>
-            </a:r>
-            <a:r>
-              <a:rPr lang="vi-VN" sz="1600" i="1" dirty="0" smtClean="0"/>
-              <a:t>, </a:t>
-            </a:r>
-            <a:r>
-              <a:rPr lang="en-US" sz="1600" i="1" dirty="0" smtClean="0"/>
-              <a:t>Department of Knowledge Technologies, </a:t>
-            </a:r>
-            <a:r>
-              <a:rPr lang="en-US" sz="1600" i="1" dirty="0" err="1" smtClean="0"/>
-              <a:t>Jožef</a:t>
-            </a:r>
-            <a:r>
-              <a:rPr lang="en-US" sz="1600" i="1" dirty="0" smtClean="0"/>
-              <a:t> Stefan Institute, 2009.</a:t>
+              <a:rPr lang="vi-VN" sz="1600" dirty="0" smtClean="0"/>
+              <a:t>2008</a:t>
+            </a:r>
+            <a:r>
+              <a:rPr lang="vi-VN" sz="1600" b="1" dirty="0" smtClean="0"/>
+              <a:t>.</a:t>
             </a:r>
             <a:endParaRPr lang="en-US" sz="1600" dirty="0" smtClean="0"/>
           </a:p>
           <a:p>
             <a:r>
-              <a:rPr lang="en-US" sz="1600" i="1" dirty="0" smtClean="0"/>
+              <a:rPr lang="en-US" sz="1600" dirty="0" smtClean="0"/>
+              <a:t>[3] </a:t>
+            </a:r>
+            <a:r>
+              <a:rPr lang="en-US" sz="1600" dirty="0" err="1" smtClean="0"/>
+              <a:t>Lorand</a:t>
+            </a:r>
+            <a:r>
+              <a:rPr lang="en-US" sz="1600" dirty="0" smtClean="0"/>
+              <a:t> Dali, Delia </a:t>
+            </a:r>
+            <a:r>
+              <a:rPr lang="en-US" sz="1600" dirty="0" err="1" smtClean="0"/>
+              <a:t>Rusu</a:t>
+            </a:r>
+            <a:r>
+              <a:rPr lang="en-US" sz="1600" dirty="0" smtClean="0"/>
+              <a:t>, </a:t>
+            </a:r>
+            <a:r>
+              <a:rPr lang="en-US" sz="1600" dirty="0" err="1" smtClean="0"/>
+              <a:t>Blaz</a:t>
+            </a:r>
+            <a:r>
+              <a:rPr lang="en-US" sz="1600" dirty="0" smtClean="0"/>
+              <a:t> Fortuna, </a:t>
+            </a:r>
+            <a:r>
+              <a:rPr lang="en-US" sz="1600" dirty="0" err="1" smtClean="0"/>
+              <a:t>Dunja</a:t>
+            </a:r>
+            <a:r>
+              <a:rPr lang="en-US" sz="1600" dirty="0" smtClean="0"/>
+              <a:t> </a:t>
+            </a:r>
+            <a:r>
+              <a:rPr lang="en-US" sz="1600" dirty="0" err="1" smtClean="0"/>
+              <a:t>Mladenic</a:t>
+            </a:r>
+            <a:r>
+              <a:rPr lang="en-US" sz="1600" dirty="0" smtClean="0"/>
+              <a:t> and Marko </a:t>
+            </a:r>
+            <a:r>
+              <a:rPr lang="en-US" sz="1600" dirty="0" err="1" smtClean="0"/>
+              <a:t>Grobelnik</a:t>
+            </a:r>
+            <a:r>
+              <a:rPr lang="vi-VN" sz="1600" dirty="0" smtClean="0"/>
+              <a:t>, </a:t>
+            </a:r>
+            <a:r>
+              <a:rPr lang="en-US" sz="1600" b="1" dirty="0" smtClean="0"/>
+              <a:t>Question Answering Based on Semantic </a:t>
+            </a:r>
+            <a:r>
+              <a:rPr lang="en-US" sz="1600" b="1" dirty="0" err="1" smtClean="0"/>
+              <a:t>Grahps</a:t>
+            </a:r>
+            <a:r>
+              <a:rPr lang="vi-VN" sz="1600" dirty="0" smtClean="0"/>
+              <a:t>, </a:t>
+            </a:r>
+            <a:r>
+              <a:rPr lang="en-US" sz="1600" dirty="0" smtClean="0"/>
+              <a:t>Department of Knowledge Technologies, </a:t>
+            </a:r>
+            <a:r>
+              <a:rPr lang="en-US" sz="1600" dirty="0" err="1" smtClean="0"/>
+              <a:t>Jožef</a:t>
+            </a:r>
+            <a:r>
+              <a:rPr lang="en-US" sz="1600" dirty="0" smtClean="0"/>
+              <a:t> Stefan Institute, 2009.</a:t>
+            </a:r>
+          </a:p>
+          <a:p>
+            <a:r>
+              <a:rPr lang="en-US" sz="1600" dirty="0" smtClean="0"/>
               <a:t>[4] </a:t>
             </a:r>
             <a:r>
-              <a:rPr lang="en-US" sz="1600" i="1" dirty="0" err="1" smtClean="0"/>
+              <a:rPr lang="en-US" sz="1600" dirty="0" err="1" smtClean="0"/>
               <a:t>Wael</a:t>
             </a:r>
             <a:r>
-              <a:rPr lang="en-US" sz="1600" i="1" dirty="0" smtClean="0"/>
-              <a:t> </a:t>
-            </a:r>
-            <a:r>
-              <a:rPr lang="en-US" sz="1600" i="1" dirty="0" err="1" smtClean="0"/>
+              <a:rPr lang="en-US" sz="1600" dirty="0" smtClean="0"/>
+              <a:t> </a:t>
+            </a:r>
+            <a:r>
+              <a:rPr lang="en-US" sz="1600" dirty="0" err="1" smtClean="0"/>
               <a:t>Salloum</a:t>
             </a:r>
             <a:r>
-              <a:rPr lang="en-US" sz="1600" i="1" dirty="0" smtClean="0"/>
+              <a:rPr lang="en-US" sz="1600" dirty="0" smtClean="0"/>
               <a:t>, </a:t>
             </a:r>
             <a:r>
-              <a:rPr lang="en-US" sz="1600" b="1" i="1" dirty="0" smtClean="0"/>
+              <a:rPr lang="en-US" sz="1600" b="1" dirty="0" smtClean="0"/>
               <a:t>A Question Answering System based on Conceptual Graph Formalism</a:t>
             </a:r>
             <a:r>
-              <a:rPr lang="vi-VN" sz="1600" i="1" dirty="0" smtClean="0"/>
+              <a:rPr lang="vi-VN" sz="1600" dirty="0" smtClean="0"/>
               <a:t>,</a:t>
             </a:r>
             <a:r>
-              <a:rPr lang="en-US" sz="1600" i="1" dirty="0" smtClean="0"/>
+              <a:rPr lang="en-US" sz="1600" dirty="0" smtClean="0"/>
               <a:t> Conference: The 2nd International Symposium on Knowledge Acquisition and Modeling (KAM 2009)</a:t>
             </a:r>
             <a:r>
-              <a:rPr lang="vi-VN" sz="1600" i="1" dirty="0" smtClean="0"/>
+              <a:rPr lang="vi-VN" sz="1600" dirty="0" smtClean="0"/>
               <a:t>,</a:t>
             </a:r>
             <a:r>
-              <a:rPr lang="en-US" sz="1600" i="1" dirty="0" smtClean="0"/>
+              <a:rPr lang="en-US" sz="1600" dirty="0" smtClean="0"/>
               <a:t> IEEE Computer Society Press, 2009.</a:t>
             </a:r>
-            <a:endParaRPr lang="en-US" sz="1600" dirty="0" smtClean="0"/>
           </a:p>
           <a:p>
             <a:pPr lvl="0"/>
             <a:r>
-              <a:rPr lang="en-US" sz="1600" i="1" dirty="0" smtClean="0"/>
+              <a:rPr lang="en-US" sz="1600" dirty="0" smtClean="0"/>
               <a:t>[5] Delia </a:t>
             </a:r>
             <a:r>
-              <a:rPr lang="en-US" sz="1600" i="1" dirty="0" err="1" smtClean="0"/>
+              <a:rPr lang="en-US" sz="1600" dirty="0" err="1" smtClean="0"/>
               <a:t>Rusu</a:t>
             </a:r>
             <a:r>
-              <a:rPr lang="en-US" sz="1600" i="1" dirty="0" smtClean="0"/>
+              <a:rPr lang="en-US" sz="1600" dirty="0" smtClean="0"/>
               <a:t>, </a:t>
             </a:r>
             <a:r>
-              <a:rPr lang="en-US" sz="1600" i="1" dirty="0" err="1" smtClean="0"/>
+              <a:rPr lang="en-US" sz="1600" dirty="0" err="1" smtClean="0"/>
               <a:t>Lorand</a:t>
             </a:r>
             <a:r>
-              <a:rPr lang="en-US" sz="1600" i="1" dirty="0" smtClean="0"/>
+              <a:rPr lang="en-US" sz="1600" dirty="0" smtClean="0"/>
               <a:t> Dali, </a:t>
             </a:r>
             <a:r>
-              <a:rPr lang="en-US" sz="1600" i="1" dirty="0" err="1" smtClean="0"/>
+              <a:rPr lang="en-US" sz="1600" dirty="0" err="1" smtClean="0"/>
               <a:t>Blaz</a:t>
             </a:r>
             <a:r>
-              <a:rPr lang="en-US" sz="1600" i="1" dirty="0" smtClean="0"/>
+              <a:rPr lang="en-US" sz="1600" dirty="0" smtClean="0"/>
               <a:t> Fortuna, Marko </a:t>
             </a:r>
             <a:r>
-              <a:rPr lang="en-US" sz="1600" i="1" dirty="0" err="1" smtClean="0"/>
+              <a:rPr lang="en-US" sz="1600" dirty="0" err="1" smtClean="0"/>
               <a:t>Grobelnik</a:t>
             </a:r>
             <a:r>
-              <a:rPr lang="en-US" sz="1600" i="1" dirty="0" smtClean="0"/>
+              <a:rPr lang="en-US" sz="1600" dirty="0" smtClean="0"/>
               <a:t>, </a:t>
             </a:r>
             <a:r>
-              <a:rPr lang="en-US" sz="1600" i="1" dirty="0" err="1" smtClean="0"/>
+              <a:rPr lang="en-US" sz="1600" dirty="0" err="1" smtClean="0"/>
               <a:t>Dunja</a:t>
             </a:r>
             <a:r>
-              <a:rPr lang="en-US" sz="1600" i="1" dirty="0" smtClean="0"/>
-              <a:t> </a:t>
-            </a:r>
-            <a:r>
-              <a:rPr lang="en-US" sz="1600" i="1" dirty="0" err="1" smtClean="0"/>
+              <a:rPr lang="en-US" sz="1600" dirty="0" smtClean="0"/>
+              <a:t> </a:t>
+            </a:r>
+            <a:r>
+              <a:rPr lang="en-US" sz="1600" dirty="0" err="1" smtClean="0"/>
               <a:t>Mladenic</a:t>
             </a:r>
             <a:r>
-              <a:rPr lang="en-US" sz="1600" i="1" dirty="0" smtClean="0"/>
-              <a:t> </a:t>
-            </a:r>
-            <a:r>
-              <a:rPr lang="vi-VN" sz="1600" i="1" dirty="0" smtClean="0"/>
+              <a:rPr lang="en-US" sz="1600" dirty="0" smtClean="0"/>
+              <a:t> </a:t>
+            </a:r>
+            <a:r>
+              <a:rPr lang="vi-VN" sz="1600" dirty="0" smtClean="0"/>
               <a:t>, </a:t>
             </a:r>
             <a:r>
-              <a:rPr lang="en-US" sz="1600" b="1" i="1" dirty="0" smtClean="0"/>
+              <a:rPr lang="en-US" sz="1600" b="1" dirty="0" smtClean="0"/>
               <a:t>Triplet Extraction from Sentences</a:t>
             </a:r>
             <a:r>
-              <a:rPr lang="vi-VN" sz="1600" i="1" dirty="0" smtClean="0"/>
+              <a:rPr lang="vi-VN" sz="1600" dirty="0" smtClean="0"/>
               <a:t>,</a:t>
             </a:r>
             <a:r>
-              <a:rPr lang="en-US" sz="1600" i="1" dirty="0" smtClean="0"/>
+              <a:rPr lang="en-US" sz="1600" dirty="0" smtClean="0"/>
               <a:t> Department of Knowledge Technologies, </a:t>
             </a:r>
             <a:r>
-              <a:rPr lang="en-US" sz="1600" i="1" dirty="0" err="1" smtClean="0"/>
+              <a:rPr lang="en-US" sz="1600" dirty="0" err="1" smtClean="0"/>
               <a:t>Jožef</a:t>
             </a:r>
             <a:r>
-              <a:rPr lang="en-US" sz="1600" i="1" dirty="0" smtClean="0"/>
+              <a:rPr lang="en-US" sz="1600" dirty="0" smtClean="0"/>
               <a:t> Stefan Institute, 2007.</a:t>
             </a:r>
-            <a:endParaRPr lang="en-US" sz="1600" dirty="0" smtClean="0"/>
           </a:p>
           <a:p>
             <a:r>
-              <a:rPr lang="en-US" sz="1600" i="1" dirty="0" smtClean="0"/>
+              <a:rPr lang="en-US" sz="1600" dirty="0" smtClean="0"/>
               <a:t>[6] Kenneth C. </a:t>
             </a:r>
             <a:r>
-              <a:rPr lang="en-US" sz="1600" i="1" dirty="0" err="1" smtClean="0"/>
+              <a:rPr lang="en-US" sz="1600" dirty="0" err="1" smtClean="0"/>
               <a:t>Litkowski</a:t>
             </a:r>
             <a:r>
-              <a:rPr lang="en-US" sz="1600" i="1" dirty="0" smtClean="0"/>
+              <a:rPr lang="en-US" sz="1600" dirty="0" smtClean="0"/>
               <a:t>, </a:t>
             </a:r>
             <a:r>
-              <a:rPr lang="vi-VN" sz="1600" b="1" i="1" dirty="0" smtClean="0"/>
+              <a:rPr lang="vi-VN" sz="1600" b="1" dirty="0" smtClean="0"/>
               <a:t>Question-Answering using Semantic Relation Triples  </a:t>
             </a:r>
             <a:r>
-              <a:rPr lang="vi-VN" sz="1600" i="1" dirty="0" smtClean="0"/>
+              <a:rPr lang="vi-VN" sz="1600" dirty="0" smtClean="0"/>
               <a:t>, </a:t>
             </a:r>
             <a:r>
-              <a:rPr lang="en-US" sz="1600" i="1" dirty="0" smtClean="0"/>
+              <a:rPr lang="en-US" sz="1600" dirty="0" smtClean="0"/>
               <a:t>In Proceedings of the 8th Text Retrieval Conference (TREC-8</a:t>
             </a:r>
             <a:r>
-              <a:rPr lang="vi-VN" sz="1600" i="1" dirty="0" smtClean="0"/>
+              <a:rPr lang="vi-VN" sz="1600" dirty="0" smtClean="0"/>
               <a:t>)</a:t>
             </a:r>
             <a:r>
-              <a:rPr lang="en-US" sz="1600" i="1" dirty="0" smtClean="0"/>
+              <a:rPr lang="en-US" sz="1600" dirty="0" smtClean="0"/>
               <a:t>, 1999.</a:t>
             </a:r>
             <a:endParaRPr lang="en-US" sz="1600" dirty="0"/>
@@ -5697,7 +6517,7 @@
 </p:sld>
 </file>
 
-<file path=ppt/slides/slide11.xml><?xml version="1.0" encoding="utf-8"?>
+<file path=ppt/slides/slide13.xml><?xml version="1.0" encoding="utf-8"?>
 <p:sld xmlns:a="http://schemas.openxmlformats.org/drawingml/2006/main" xmlns:r="http://schemas.openxmlformats.org/officeDocument/2006/relationships" xmlns:p="http://schemas.openxmlformats.org/presentationml/2006/main">
   <p:cSld>
     <p:spTree>
@@ -5804,7 +6624,7 @@
 </p:sld>
 </file>
 
-<file path=ppt/slides/slide12.xml><?xml version="1.0" encoding="utf-8"?>
+<file path=ppt/slides/slide14.xml><?xml version="1.0" encoding="utf-8"?>
 <p:sld xmlns:a="http://schemas.openxmlformats.org/drawingml/2006/main" xmlns:r="http://schemas.openxmlformats.org/officeDocument/2006/relationships" xmlns:p="http://schemas.openxmlformats.org/presentationml/2006/main">
   <p:cSld>
     <p:spTree>
@@ -7610,7 +8430,103 @@
                   <a:schemeClr val="bg1"/>
                 </a:solidFill>
               </a:rPr>
-              <a:t>Đánh giá và kết luận</a:t>
+              <a:t>Đánh </a:t>
+            </a:r>
+            <a:r>
+              <a:rPr lang="vi-VN" sz="2400" b="1" dirty="0" smtClean="0">
+                <a:solidFill>
+                  <a:schemeClr val="bg1"/>
+                </a:solidFill>
+              </a:rPr>
+              <a:t>giá</a:t>
+            </a:r>
+            <a:r>
+              <a:rPr lang="en-US" sz="2400" b="1" dirty="0" smtClean="0">
+                <a:solidFill>
+                  <a:schemeClr val="bg1"/>
+                </a:solidFill>
+              </a:rPr>
+              <a:t>,</a:t>
+            </a:r>
+            <a:r>
+              <a:rPr lang="vi-VN" sz="2400" b="1" dirty="0" smtClean="0">
+                <a:solidFill>
+                  <a:schemeClr val="bg1"/>
+                </a:solidFill>
+              </a:rPr>
+              <a:t>kết luận</a:t>
+            </a:r>
+            <a:r>
+              <a:rPr lang="en-US" sz="2400" b="1" dirty="0" smtClean="0">
+                <a:solidFill>
+                  <a:schemeClr val="bg1"/>
+                </a:solidFill>
+              </a:rPr>
+              <a:t> </a:t>
+            </a:r>
+            <a:r>
+              <a:rPr lang="en-US" sz="2400" b="1" dirty="0" err="1" smtClean="0">
+                <a:solidFill>
+                  <a:schemeClr val="bg1"/>
+                </a:solidFill>
+              </a:rPr>
+              <a:t>và</a:t>
+            </a:r>
+            <a:r>
+              <a:rPr lang="en-US" sz="2400" b="1" dirty="0" smtClean="0">
+                <a:solidFill>
+                  <a:schemeClr val="bg1"/>
+                </a:solidFill>
+              </a:rPr>
+              <a:t> </a:t>
+            </a:r>
+            <a:r>
+              <a:rPr lang="en-US" sz="2400" b="1" dirty="0" err="1" smtClean="0">
+                <a:solidFill>
+                  <a:schemeClr val="bg1"/>
+                </a:solidFill>
+              </a:rPr>
+              <a:t>hướng</a:t>
+            </a:r>
+            <a:r>
+              <a:rPr lang="en-US" sz="2400" b="1" dirty="0" smtClean="0">
+                <a:solidFill>
+                  <a:schemeClr val="bg1"/>
+                </a:solidFill>
+              </a:rPr>
+              <a:t> </a:t>
+            </a:r>
+            <a:r>
+              <a:rPr lang="en-US" sz="2400" b="1" dirty="0" err="1" smtClean="0">
+                <a:solidFill>
+                  <a:schemeClr val="bg1"/>
+                </a:solidFill>
+              </a:rPr>
+              <a:t>phá</a:t>
+            </a:r>
+            <a:r>
+              <a:rPr lang="en-US" sz="2400" b="1" dirty="0" err="1" smtClean="0">
+                <a:solidFill>
+                  <a:schemeClr val="bg1"/>
+                </a:solidFill>
+              </a:rPr>
+              <a:t>t</a:t>
+            </a:r>
+            <a:r>
+              <a:rPr lang="en-US" sz="2400" b="1" dirty="0" smtClean="0">
+                <a:solidFill>
+                  <a:schemeClr val="bg1"/>
+                </a:solidFill>
+              </a:rPr>
+              <a:t> </a:t>
+            </a:r>
+            <a:r>
+              <a:rPr lang="en-US" sz="2400" b="1" dirty="0" err="1" smtClean="0">
+                <a:solidFill>
+                  <a:schemeClr val="bg1"/>
+                </a:solidFill>
+              </a:rPr>
+              <a:t>triển</a:t>
             </a:r>
             <a:endParaRPr lang="en-US" sz="2400" b="1" dirty="0">
               <a:solidFill>
@@ -16261,30 +17177,6 @@
               <a:rPr lang="en-US" dirty="0" err="1" smtClean="0"/>
               <a:t>giá</a:t>
             </a:r>
-            <a:r>
-              <a:rPr lang="en-US" dirty="0" smtClean="0"/>
-              <a:t> </a:t>
-            </a:r>
-            <a:r>
-              <a:rPr lang="en-US" dirty="0" err="1" smtClean="0"/>
-              <a:t>và</a:t>
-            </a:r>
-            <a:r>
-              <a:rPr lang="en-US" dirty="0" smtClean="0"/>
-              <a:t> </a:t>
-            </a:r>
-            <a:r>
-              <a:rPr lang="en-US" dirty="0" err="1" smtClean="0"/>
-              <a:t>kết</a:t>
-            </a:r>
-            <a:r>
-              <a:rPr lang="en-US" dirty="0" smtClean="0"/>
-              <a:t> </a:t>
-            </a:r>
-            <a:r>
-              <a:rPr lang="en-US" dirty="0" err="1" smtClean="0"/>
-              <a:t>luận</a:t>
-            </a:r>
             <a:endParaRPr lang="en-US" dirty="0"/>
           </a:p>
         </p:txBody>
@@ -16921,7 +17813,7 @@
                         </a:spcAft>
                       </a:pPr>
                       <a:r>
-                        <a:rPr lang="en-US" sz="2000">
+                        <a:rPr lang="en-US" sz="2000" dirty="0">
                           <a:solidFill>
                             <a:schemeClr val="bg1"/>
                           </a:solidFill>
@@ -16931,7 +17823,7 @@
                         </a:rPr>
                         <a:t>98</a:t>
                       </a:r>
-                      <a:endParaRPr lang="en-US" sz="2000">
+                      <a:endParaRPr lang="en-US" sz="2000" dirty="0">
                         <a:solidFill>
                           <a:schemeClr val="bg1"/>
                         </a:solidFill>
@@ -17241,7 +18133,7 @@
                         </a:spcAft>
                       </a:pPr>
                       <a:r>
-                        <a:rPr lang="vi-VN" sz="2000">
+                        <a:rPr lang="vi-VN" sz="2000" dirty="0">
                           <a:solidFill>
                             <a:schemeClr val="bg1"/>
                           </a:solidFill>
@@ -17251,7 +18143,7 @@
                         </a:rPr>
                         <a:t>1</a:t>
                       </a:r>
-                      <a:endParaRPr lang="en-US" sz="2000">
+                      <a:endParaRPr lang="en-US" sz="2000" dirty="0">
                         <a:solidFill>
                           <a:schemeClr val="bg1"/>
                         </a:solidFill>
@@ -17610,6 +18502,333 @@
   <p:clrMapOvr>
     <a:masterClrMapping/>
   </p:clrMapOvr>
+  <p:timing>
+    <p:tnLst>
+      <p:par>
+        <p:cTn id="1" dur="indefinite" restart="never" nodeType="tmRoot">
+          <p:childTnLst>
+            <p:seq concurrent="1" nextAc="seek">
+              <p:cTn id="2" dur="indefinite" nodeType="mainSeq">
+                <p:childTnLst>
+                  <p:par>
+                    <p:cTn id="3" fill="hold">
+                      <p:stCondLst>
+                        <p:cond delay="indefinite"/>
+                      </p:stCondLst>
+                      <p:childTnLst>
+                        <p:par>
+                          <p:cTn id="4" fill="hold">
+                            <p:stCondLst>
+                              <p:cond delay="0"/>
+                            </p:stCondLst>
+                            <p:childTnLst>
+                              <p:par>
+                                <p:cTn id="5" presetID="2" presetClass="entr" presetSubtype="4" fill="hold" nodeType="clickEffect">
+                                  <p:stCondLst>
+                                    <p:cond delay="0"/>
+                                  </p:stCondLst>
+                                  <p:childTnLst>
+                                    <p:set>
+                                      <p:cBhvr>
+                                        <p:cTn id="6" dur="1" fill="hold">
+                                          <p:stCondLst>
+                                            <p:cond delay="0"/>
+                                          </p:stCondLst>
+                                        </p:cTn>
+                                        <p:tgtEl>
+                                          <p:spTgt spid="3">
+                                            <p:txEl>
+                                              <p:pRg st="0" end="0"/>
+                                            </p:txEl>
+                                          </p:spTgt>
+                                        </p:tgtEl>
+                                        <p:attrNameLst>
+                                          <p:attrName>style.visibility</p:attrName>
+                                        </p:attrNameLst>
+                                      </p:cBhvr>
+                                      <p:to>
+                                        <p:strVal val="visible"/>
+                                      </p:to>
+                                    </p:set>
+                                    <p:anim calcmode="lin" valueType="num">
+                                      <p:cBhvr additive="base">
+                                        <p:cTn id="7" dur="500" fill="hold"/>
+                                        <p:tgtEl>
+                                          <p:spTgt spid="3">
+                                            <p:txEl>
+                                              <p:pRg st="0" end="0"/>
+                                            </p:txEl>
+                                          </p:spTgt>
+                                        </p:tgtEl>
+                                        <p:attrNameLst>
+                                          <p:attrName>ppt_x</p:attrName>
+                                        </p:attrNameLst>
+                                      </p:cBhvr>
+                                      <p:tavLst>
+                                        <p:tav tm="0">
+                                          <p:val>
+                                            <p:strVal val="#ppt_x"/>
+                                          </p:val>
+                                        </p:tav>
+                                        <p:tav tm="100000">
+                                          <p:val>
+                                            <p:strVal val="#ppt_x"/>
+                                          </p:val>
+                                        </p:tav>
+                                      </p:tavLst>
+                                    </p:anim>
+                                    <p:anim calcmode="lin" valueType="num">
+                                      <p:cBhvr additive="base">
+                                        <p:cTn id="8" dur="500" fill="hold"/>
+                                        <p:tgtEl>
+                                          <p:spTgt spid="3">
+                                            <p:txEl>
+                                              <p:pRg st="0" end="0"/>
+                                            </p:txEl>
+                                          </p:spTgt>
+                                        </p:tgtEl>
+                                        <p:attrNameLst>
+                                          <p:attrName>ppt_y</p:attrName>
+                                        </p:attrNameLst>
+                                      </p:cBhvr>
+                                      <p:tavLst>
+                                        <p:tav tm="0">
+                                          <p:val>
+                                            <p:strVal val="1+#ppt_h/2"/>
+                                          </p:val>
+                                        </p:tav>
+                                        <p:tav tm="100000">
+                                          <p:val>
+                                            <p:strVal val="#ppt_y"/>
+                                          </p:val>
+                                        </p:tav>
+                                      </p:tavLst>
+                                    </p:anim>
+                                  </p:childTnLst>
+                                </p:cTn>
+                              </p:par>
+                            </p:childTnLst>
+                          </p:cTn>
+                        </p:par>
+                      </p:childTnLst>
+                    </p:cTn>
+                  </p:par>
+                  <p:par>
+                    <p:cTn id="9" fill="hold">
+                      <p:stCondLst>
+                        <p:cond delay="indefinite"/>
+                      </p:stCondLst>
+                      <p:childTnLst>
+                        <p:par>
+                          <p:cTn id="10" fill="hold">
+                            <p:stCondLst>
+                              <p:cond delay="0"/>
+                            </p:stCondLst>
+                            <p:childTnLst>
+                              <p:par>
+                                <p:cTn id="11" presetID="2" presetClass="entr" presetSubtype="4" fill="hold" nodeType="clickEffect">
+                                  <p:stCondLst>
+                                    <p:cond delay="0"/>
+                                  </p:stCondLst>
+                                  <p:childTnLst>
+                                    <p:set>
+                                      <p:cBhvr>
+                                        <p:cTn id="12" dur="1" fill="hold">
+                                          <p:stCondLst>
+                                            <p:cond delay="0"/>
+                                          </p:stCondLst>
+                                        </p:cTn>
+                                        <p:tgtEl>
+                                          <p:spTgt spid="3">
+                                            <p:txEl>
+                                              <p:pRg st="1" end="1"/>
+                                            </p:txEl>
+                                          </p:spTgt>
+                                        </p:tgtEl>
+                                        <p:attrNameLst>
+                                          <p:attrName>style.visibility</p:attrName>
+                                        </p:attrNameLst>
+                                      </p:cBhvr>
+                                      <p:to>
+                                        <p:strVal val="visible"/>
+                                      </p:to>
+                                    </p:set>
+                                    <p:anim calcmode="lin" valueType="num">
+                                      <p:cBhvr additive="base">
+                                        <p:cTn id="13" dur="500" fill="hold"/>
+                                        <p:tgtEl>
+                                          <p:spTgt spid="3">
+                                            <p:txEl>
+                                              <p:pRg st="1" end="1"/>
+                                            </p:txEl>
+                                          </p:spTgt>
+                                        </p:tgtEl>
+                                        <p:attrNameLst>
+                                          <p:attrName>ppt_x</p:attrName>
+                                        </p:attrNameLst>
+                                      </p:cBhvr>
+                                      <p:tavLst>
+                                        <p:tav tm="0">
+                                          <p:val>
+                                            <p:strVal val="#ppt_x"/>
+                                          </p:val>
+                                        </p:tav>
+                                        <p:tav tm="100000">
+                                          <p:val>
+                                            <p:strVal val="#ppt_x"/>
+                                          </p:val>
+                                        </p:tav>
+                                      </p:tavLst>
+                                    </p:anim>
+                                    <p:anim calcmode="lin" valueType="num">
+                                      <p:cBhvr additive="base">
+                                        <p:cTn id="14" dur="500" fill="hold"/>
+                                        <p:tgtEl>
+                                          <p:spTgt spid="3">
+                                            <p:txEl>
+                                              <p:pRg st="1" end="1"/>
+                                            </p:txEl>
+                                          </p:spTgt>
+                                        </p:tgtEl>
+                                        <p:attrNameLst>
+                                          <p:attrName>ppt_y</p:attrName>
+                                        </p:attrNameLst>
+                                      </p:cBhvr>
+                                      <p:tavLst>
+                                        <p:tav tm="0">
+                                          <p:val>
+                                            <p:strVal val="1+#ppt_h/2"/>
+                                          </p:val>
+                                        </p:tav>
+                                        <p:tav tm="100000">
+                                          <p:val>
+                                            <p:strVal val="#ppt_y"/>
+                                          </p:val>
+                                        </p:tav>
+                                      </p:tavLst>
+                                    </p:anim>
+                                  </p:childTnLst>
+                                </p:cTn>
+                              </p:par>
+                            </p:childTnLst>
+                          </p:cTn>
+                        </p:par>
+                      </p:childTnLst>
+                    </p:cTn>
+                  </p:par>
+                  <p:par>
+                    <p:cTn id="15" fill="hold">
+                      <p:stCondLst>
+                        <p:cond delay="indefinite"/>
+                      </p:stCondLst>
+                      <p:childTnLst>
+                        <p:par>
+                          <p:cTn id="16" fill="hold">
+                            <p:stCondLst>
+                              <p:cond delay="0"/>
+                            </p:stCondLst>
+                            <p:childTnLst>
+                              <p:par>
+                                <p:cTn id="17" presetID="3" presetClass="entr" presetSubtype="10" fill="hold" nodeType="clickEffect">
+                                  <p:stCondLst>
+                                    <p:cond delay="0"/>
+                                  </p:stCondLst>
+                                  <p:childTnLst>
+                                    <p:set>
+                                      <p:cBhvr>
+                                        <p:cTn id="18" dur="1" fill="hold">
+                                          <p:stCondLst>
+                                            <p:cond delay="0"/>
+                                          </p:stCondLst>
+                                        </p:cTn>
+                                        <p:tgtEl>
+                                          <p:spTgt spid="4"/>
+                                        </p:tgtEl>
+                                        <p:attrNameLst>
+                                          <p:attrName>style.visibility</p:attrName>
+                                        </p:attrNameLst>
+                                      </p:cBhvr>
+                                      <p:to>
+                                        <p:strVal val="visible"/>
+                                      </p:to>
+                                    </p:set>
+                                    <p:animEffect transition="in" filter="blinds(horizontal)">
+                                      <p:cBhvr>
+                                        <p:cTn id="19" dur="500"/>
+                                        <p:tgtEl>
+                                          <p:spTgt spid="4"/>
+                                        </p:tgtEl>
+                                      </p:cBhvr>
+                                    </p:animEffect>
+                                  </p:childTnLst>
+                                </p:cTn>
+                              </p:par>
+                              <p:par>
+                                <p:cTn id="20" presetID="3" presetClass="entr" presetSubtype="10" fill="hold" grpId="0" nodeType="withEffect">
+                                  <p:stCondLst>
+                                    <p:cond delay="0"/>
+                                  </p:stCondLst>
+                                  <p:childTnLst>
+                                    <p:set>
+                                      <p:cBhvr>
+                                        <p:cTn id="21" dur="1" fill="hold">
+                                          <p:stCondLst>
+                                            <p:cond delay="0"/>
+                                          </p:stCondLst>
+                                        </p:cTn>
+                                        <p:tgtEl>
+                                          <p:spTgt spid="5"/>
+                                        </p:tgtEl>
+                                        <p:attrNameLst>
+                                          <p:attrName>style.visibility</p:attrName>
+                                        </p:attrNameLst>
+                                      </p:cBhvr>
+                                      <p:to>
+                                        <p:strVal val="visible"/>
+                                      </p:to>
+                                    </p:set>
+                                    <p:animEffect transition="in" filter="blinds(horizontal)">
+                                      <p:cBhvr>
+                                        <p:cTn id="22" dur="500"/>
+                                        <p:tgtEl>
+                                          <p:spTgt spid="5"/>
+                                        </p:tgtEl>
+                                      </p:cBhvr>
+                                    </p:animEffect>
+                                  </p:childTnLst>
+                                </p:cTn>
+                              </p:par>
+                            </p:childTnLst>
+                          </p:cTn>
+                        </p:par>
+                      </p:childTnLst>
+                    </p:cTn>
+                  </p:par>
+                </p:childTnLst>
+              </p:cTn>
+              <p:prevCondLst>
+                <p:cond evt="onPrev" delay="0">
+                  <p:tgtEl>
+                    <p:sldTgt/>
+                  </p:tgtEl>
+                </p:cond>
+              </p:prevCondLst>
+              <p:nextCondLst>
+                <p:cond evt="onNext" delay="0">
+                  <p:tgtEl>
+                    <p:sldTgt/>
+                  </p:tgtEl>
+                </p:cond>
+              </p:nextCondLst>
+            </p:seq>
+          </p:childTnLst>
+        </p:cTn>
+      </p:par>
+    </p:tnLst>
+    <p:bldLst>
+      <p:bldP spid="5" grpId="0"/>
+    </p:bldLst>
+  </p:timing>
 </p:sld>
 </file>
 
@@ -17657,30 +18876,6 @@
               <a:rPr lang="en-US" dirty="0" err="1" smtClean="0"/>
               <a:t>giá</a:t>
             </a:r>
-            <a:r>
-              <a:rPr lang="en-US" dirty="0" smtClean="0"/>
-              <a:t> </a:t>
-            </a:r>
-            <a:r>
-              <a:rPr lang="en-US" dirty="0" err="1" smtClean="0"/>
-              <a:t>và</a:t>
-            </a:r>
-            <a:r>
-              <a:rPr lang="en-US" dirty="0" smtClean="0"/>
-              <a:t> </a:t>
-            </a:r>
-            <a:r>
-              <a:rPr lang="en-US" dirty="0" err="1" smtClean="0"/>
-              <a:t>kết</a:t>
-            </a:r>
-            <a:r>
-              <a:rPr lang="en-US" dirty="0" smtClean="0"/>
-              <a:t> </a:t>
-            </a:r>
-            <a:r>
-              <a:rPr lang="en-US" dirty="0" err="1" smtClean="0"/>
-              <a:t>luận</a:t>
-            </a:r>
             <a:endParaRPr lang="en-US" dirty="0"/>
           </a:p>
         </p:txBody>
@@ -18110,16 +19305,12 @@
             </a:r>
             <a:r>
               <a:rPr lang="en-US" sz="2200" dirty="0" smtClean="0"/>
-              <a:t> (50</a:t>
-            </a:r>
-            <a:r>
-              <a:rPr lang="en-US" sz="2200" dirty="0" smtClean="0"/>
-              <a:t>%).</a:t>
-            </a:r>
-            <a:r>
-              <a:rPr lang="en-US" sz="2200" dirty="0" smtClean="0"/>
-              <a:t> </a:t>
-            </a:r>
+              <a:t> (50%). </a:t>
+            </a:r>
+            <a:endParaRPr lang="en-US" sz="2200" dirty="0" smtClean="0"/>
+          </a:p>
+          <a:p>
+            <a:pPr algn="just"/>
             <a:r>
               <a:rPr lang="en-US" sz="2200" dirty="0" err="1" smtClean="0"/>
               <a:t>Nếu</a:t>
@@ -18407,11 +19598,7 @@
             </a:r>
             <a:r>
               <a:rPr lang="vi-VN" dirty="0" smtClean="0"/>
-              <a:t> </a:t>
-            </a:r>
-            <a:r>
-              <a:rPr lang="vi-VN" dirty="0" smtClean="0"/>
-              <a:t>– </a:t>
+              <a:t> – </a:t>
             </a:r>
             <a:r>
               <a:rPr lang="en-US" dirty="0" err="1" smtClean="0"/>
@@ -18498,8 +19685,8 @@
           <p:nvPr/>
         </p:nvGraphicFramePr>
         <p:xfrm>
-          <a:off x="1524000" y="2514600"/>
-          <a:ext cx="6096000" cy="1219200"/>
+          <a:off x="1524000" y="2133600"/>
+          <a:ext cx="6096000" cy="1663700"/>
         </p:xfrm>
         <a:graphic>
           <a:graphicData uri="http://schemas.openxmlformats.org/drawingml/2006/table">
@@ -18526,7 +19713,7 @@
                           <a:spcPts val="0"/>
                         </a:spcAft>
                       </a:pPr>
-                      <a:endParaRPr lang="vi-VN" sz="1300" dirty="0">
+                      <a:endParaRPr lang="vi-VN" sz="2000" dirty="0">
                         <a:solidFill>
                           <a:schemeClr val="bg1"/>
                         </a:solidFill>
@@ -18595,7 +19782,7 @@
                         </a:spcAft>
                       </a:pPr>
                       <a:r>
-                        <a:rPr lang="vi-VN" sz="1300" dirty="0">
+                        <a:rPr lang="vi-VN" sz="2000" dirty="0">
                           <a:solidFill>
                             <a:schemeClr val="bg1"/>
                           </a:solidFill>
@@ -18605,7 +19792,7 @@
                         </a:rPr>
                         <a:t>Khả năng rút trích bộ ba</a:t>
                       </a:r>
-                      <a:endParaRPr lang="en-US" sz="1100" dirty="0">
+                      <a:endParaRPr lang="en-US" sz="2000" dirty="0">
                         <a:solidFill>
                           <a:schemeClr val="bg1"/>
                         </a:solidFill>
@@ -18676,7 +19863,7 @@
                         </a:spcAft>
                       </a:pPr>
                       <a:r>
-                        <a:rPr lang="vi-VN" sz="1300">
+                        <a:rPr lang="vi-VN" sz="2000">
                           <a:solidFill>
                             <a:schemeClr val="bg1"/>
                           </a:solidFill>
@@ -18686,7 +19873,7 @@
                         </a:rPr>
                         <a:t>Trước khi chỉnh sửa luật</a:t>
                       </a:r>
-                      <a:endParaRPr lang="en-US" sz="1100">
+                      <a:endParaRPr lang="en-US" sz="2000">
                         <a:solidFill>
                           <a:schemeClr val="bg1"/>
                         </a:solidFill>
@@ -18755,7 +19942,7 @@
                         </a:spcAft>
                       </a:pPr>
                       <a:r>
-                        <a:rPr lang="en-US" sz="1300" dirty="0">
+                        <a:rPr lang="en-US" sz="2000" dirty="0">
                           <a:solidFill>
                             <a:schemeClr val="bg1"/>
                           </a:solidFill>
@@ -18766,7 +19953,7 @@
                         <a:t>30% (86 </a:t>
                       </a:r>
                       <a:r>
-                        <a:rPr lang="en-US" sz="1300" dirty="0" err="1">
+                        <a:rPr lang="en-US" sz="2000" dirty="0" err="1">
                           <a:solidFill>
                             <a:schemeClr val="bg1"/>
                           </a:solidFill>
@@ -18777,7 +19964,7 @@
                         <a:t>câu</a:t>
                       </a:r>
                       <a:r>
-                        <a:rPr lang="en-US" sz="1300" dirty="0">
+                        <a:rPr lang="en-US" sz="2000" dirty="0">
                           <a:solidFill>
                             <a:schemeClr val="bg1"/>
                           </a:solidFill>
@@ -18787,7 +19974,7 @@
                         </a:rPr>
                         <a:t>)</a:t>
                       </a:r>
-                      <a:endParaRPr lang="en-US" sz="1100" dirty="0">
+                      <a:endParaRPr lang="en-US" sz="2000" dirty="0">
                         <a:solidFill>
                           <a:schemeClr val="bg1"/>
                         </a:solidFill>
@@ -18858,7 +20045,7 @@
                         </a:spcAft>
                       </a:pPr>
                       <a:r>
-                        <a:rPr lang="vi-VN" sz="1300">
+                        <a:rPr lang="vi-VN" sz="2000" dirty="0">
                           <a:solidFill>
                             <a:schemeClr val="bg1"/>
                           </a:solidFill>
@@ -18868,7 +20055,7 @@
                         </a:rPr>
                         <a:t>Sau khi chỉnh sửa luật</a:t>
                       </a:r>
-                      <a:endParaRPr lang="en-US" sz="1100">
+                      <a:endParaRPr lang="en-US" sz="2000" dirty="0">
                         <a:solidFill>
                           <a:schemeClr val="bg1"/>
                         </a:solidFill>
@@ -18937,7 +20124,7 @@
                         </a:spcAft>
                       </a:pPr>
                       <a:r>
-                        <a:rPr lang="en-US" sz="1300" dirty="0">
+                        <a:rPr lang="en-US" sz="2000" dirty="0">
                           <a:solidFill>
                             <a:schemeClr val="bg1"/>
                           </a:solidFill>
@@ -18948,7 +20135,7 @@
                         <a:t>50% (144 </a:t>
                       </a:r>
                       <a:r>
-                        <a:rPr lang="en-US" sz="1300" dirty="0" err="1">
+                        <a:rPr lang="en-US" sz="2000" dirty="0" err="1">
                           <a:solidFill>
                             <a:schemeClr val="bg1"/>
                           </a:solidFill>
@@ -18959,7 +20146,7 @@
                         <a:t>câu</a:t>
                       </a:r>
                       <a:r>
-                        <a:rPr lang="en-US" sz="1300" dirty="0">
+                        <a:rPr lang="en-US" sz="2000" dirty="0">
                           <a:solidFill>
                             <a:schemeClr val="bg1"/>
                           </a:solidFill>
@@ -18969,7 +20156,7 @@
                         </a:rPr>
                         <a:t>)</a:t>
                       </a:r>
-                      <a:endParaRPr lang="en-US" sz="1100" dirty="0">
+                      <a:endParaRPr lang="en-US" sz="2000" dirty="0">
                         <a:solidFill>
                           <a:schemeClr val="bg1"/>
                         </a:solidFill>
@@ -19040,7 +20227,7 @@
                         </a:spcAft>
                       </a:pPr>
                       <a:r>
-                        <a:rPr lang="vi-VN" sz="1300">
+                        <a:rPr lang="vi-VN" sz="2000">
                           <a:solidFill>
                             <a:schemeClr val="bg1"/>
                           </a:solidFill>
@@ -19051,7 +20238,7 @@
                         <a:t>Tổng số câu</a:t>
                       </a:r>
                       <a:r>
-                        <a:rPr lang="en-US" sz="1300">
+                        <a:rPr lang="en-US" sz="2000">
                           <a:solidFill>
                             <a:schemeClr val="bg1"/>
                           </a:solidFill>
@@ -19061,7 +20248,7 @@
                         </a:rPr>
                         <a:t> trong TREC 2004</a:t>
                       </a:r>
-                      <a:endParaRPr lang="en-US" sz="1100">
+                      <a:endParaRPr lang="en-US" sz="2000">
                         <a:solidFill>
                           <a:schemeClr val="bg1"/>
                         </a:solidFill>
@@ -19130,7 +20317,7 @@
                         </a:spcAft>
                       </a:pPr>
                       <a:r>
-                        <a:rPr lang="en-US" sz="1300" dirty="0">
+                        <a:rPr lang="en-US" sz="2000" dirty="0">
                           <a:solidFill>
                             <a:schemeClr val="bg1"/>
                           </a:solidFill>
@@ -19140,7 +20327,7 @@
                         </a:rPr>
                         <a:t>286</a:t>
                       </a:r>
-                      <a:endParaRPr lang="en-US" sz="1100" dirty="0">
+                      <a:endParaRPr lang="en-US" sz="2000" dirty="0">
                         <a:solidFill>
                           <a:schemeClr val="bg1"/>
                         </a:solidFill>
@@ -19202,6 +20389,436 @@
   <p:clrMapOvr>
     <a:masterClrMapping/>
   </p:clrMapOvr>
+  <p:timing>
+    <p:tnLst>
+      <p:par>
+        <p:cTn id="1" dur="indefinite" restart="never" nodeType="tmRoot">
+          <p:childTnLst>
+            <p:seq concurrent="1" nextAc="seek">
+              <p:cTn id="2" dur="indefinite" nodeType="mainSeq">
+                <p:childTnLst>
+                  <p:par>
+                    <p:cTn id="3" fill="hold">
+                      <p:stCondLst>
+                        <p:cond delay="indefinite"/>
+                      </p:stCondLst>
+                      <p:childTnLst>
+                        <p:par>
+                          <p:cTn id="4" fill="hold">
+                            <p:stCondLst>
+                              <p:cond delay="0"/>
+                            </p:stCondLst>
+                            <p:childTnLst>
+                              <p:par>
+                                <p:cTn id="5" presetID="2" presetClass="entr" presetSubtype="4" fill="hold" nodeType="clickEffect">
+                                  <p:stCondLst>
+                                    <p:cond delay="0"/>
+                                  </p:stCondLst>
+                                  <p:childTnLst>
+                                    <p:set>
+                                      <p:cBhvr>
+                                        <p:cTn id="6" dur="1" fill="hold">
+                                          <p:stCondLst>
+                                            <p:cond delay="0"/>
+                                          </p:stCondLst>
+                                        </p:cTn>
+                                        <p:tgtEl>
+                                          <p:spTgt spid="3">
+                                            <p:txEl>
+                                              <p:pRg st="0" end="0"/>
+                                            </p:txEl>
+                                          </p:spTgt>
+                                        </p:tgtEl>
+                                        <p:attrNameLst>
+                                          <p:attrName>style.visibility</p:attrName>
+                                        </p:attrNameLst>
+                                      </p:cBhvr>
+                                      <p:to>
+                                        <p:strVal val="visible"/>
+                                      </p:to>
+                                    </p:set>
+                                    <p:anim calcmode="lin" valueType="num">
+                                      <p:cBhvr additive="base">
+                                        <p:cTn id="7" dur="500" fill="hold"/>
+                                        <p:tgtEl>
+                                          <p:spTgt spid="3">
+                                            <p:txEl>
+                                              <p:pRg st="0" end="0"/>
+                                            </p:txEl>
+                                          </p:spTgt>
+                                        </p:tgtEl>
+                                        <p:attrNameLst>
+                                          <p:attrName>ppt_x</p:attrName>
+                                        </p:attrNameLst>
+                                      </p:cBhvr>
+                                      <p:tavLst>
+                                        <p:tav tm="0">
+                                          <p:val>
+                                            <p:strVal val="#ppt_x"/>
+                                          </p:val>
+                                        </p:tav>
+                                        <p:tav tm="100000">
+                                          <p:val>
+                                            <p:strVal val="#ppt_x"/>
+                                          </p:val>
+                                        </p:tav>
+                                      </p:tavLst>
+                                    </p:anim>
+                                    <p:anim calcmode="lin" valueType="num">
+                                      <p:cBhvr additive="base">
+                                        <p:cTn id="8" dur="500" fill="hold"/>
+                                        <p:tgtEl>
+                                          <p:spTgt spid="3">
+                                            <p:txEl>
+                                              <p:pRg st="0" end="0"/>
+                                            </p:txEl>
+                                          </p:spTgt>
+                                        </p:tgtEl>
+                                        <p:attrNameLst>
+                                          <p:attrName>ppt_y</p:attrName>
+                                        </p:attrNameLst>
+                                      </p:cBhvr>
+                                      <p:tavLst>
+                                        <p:tav tm="0">
+                                          <p:val>
+                                            <p:strVal val="1+#ppt_h/2"/>
+                                          </p:val>
+                                        </p:tav>
+                                        <p:tav tm="100000">
+                                          <p:val>
+                                            <p:strVal val="#ppt_y"/>
+                                          </p:val>
+                                        </p:tav>
+                                      </p:tavLst>
+                                    </p:anim>
+                                  </p:childTnLst>
+                                </p:cTn>
+                              </p:par>
+                            </p:childTnLst>
+                          </p:cTn>
+                        </p:par>
+                      </p:childTnLst>
+                    </p:cTn>
+                  </p:par>
+                  <p:par>
+                    <p:cTn id="9" fill="hold">
+                      <p:stCondLst>
+                        <p:cond delay="indefinite"/>
+                      </p:stCondLst>
+                      <p:childTnLst>
+                        <p:par>
+                          <p:cTn id="10" fill="hold">
+                            <p:stCondLst>
+                              <p:cond delay="0"/>
+                            </p:stCondLst>
+                            <p:childTnLst>
+                              <p:par>
+                                <p:cTn id="11" presetID="3" presetClass="entr" presetSubtype="10" fill="hold" grpId="0" nodeType="clickEffect">
+                                  <p:stCondLst>
+                                    <p:cond delay="0"/>
+                                  </p:stCondLst>
+                                  <p:childTnLst>
+                                    <p:set>
+                                      <p:cBhvr>
+                                        <p:cTn id="12" dur="1" fill="hold">
+                                          <p:stCondLst>
+                                            <p:cond delay="0"/>
+                                          </p:stCondLst>
+                                        </p:cTn>
+                                        <p:tgtEl>
+                                          <p:spTgt spid="5"/>
+                                        </p:tgtEl>
+                                        <p:attrNameLst>
+                                          <p:attrName>style.visibility</p:attrName>
+                                        </p:attrNameLst>
+                                      </p:cBhvr>
+                                      <p:to>
+                                        <p:strVal val="visible"/>
+                                      </p:to>
+                                    </p:set>
+                                    <p:animEffect transition="in" filter="blinds(horizontal)">
+                                      <p:cBhvr>
+                                        <p:cTn id="13" dur="500"/>
+                                        <p:tgtEl>
+                                          <p:spTgt spid="5"/>
+                                        </p:tgtEl>
+                                      </p:cBhvr>
+                                    </p:animEffect>
+                                  </p:childTnLst>
+                                </p:cTn>
+                              </p:par>
+                              <p:par>
+                                <p:cTn id="14" presetID="3" presetClass="entr" presetSubtype="10" fill="hold" nodeType="withEffect">
+                                  <p:stCondLst>
+                                    <p:cond delay="0"/>
+                                  </p:stCondLst>
+                                  <p:childTnLst>
+                                    <p:set>
+                                      <p:cBhvr>
+                                        <p:cTn id="15" dur="1" fill="hold">
+                                          <p:stCondLst>
+                                            <p:cond delay="0"/>
+                                          </p:stCondLst>
+                                        </p:cTn>
+                                        <p:tgtEl>
+                                          <p:spTgt spid="6"/>
+                                        </p:tgtEl>
+                                        <p:attrNameLst>
+                                          <p:attrName>style.visibility</p:attrName>
+                                        </p:attrNameLst>
+                                      </p:cBhvr>
+                                      <p:to>
+                                        <p:strVal val="visible"/>
+                                      </p:to>
+                                    </p:set>
+                                    <p:animEffect transition="in" filter="blinds(horizontal)">
+                                      <p:cBhvr>
+                                        <p:cTn id="16" dur="500"/>
+                                        <p:tgtEl>
+                                          <p:spTgt spid="6"/>
+                                        </p:tgtEl>
+                                      </p:cBhvr>
+                                    </p:animEffect>
+                                  </p:childTnLst>
+                                </p:cTn>
+                              </p:par>
+                            </p:childTnLst>
+                          </p:cTn>
+                        </p:par>
+                      </p:childTnLst>
+                    </p:cTn>
+                  </p:par>
+                  <p:par>
+                    <p:cTn id="17" fill="hold">
+                      <p:stCondLst>
+                        <p:cond delay="indefinite"/>
+                      </p:stCondLst>
+                      <p:childTnLst>
+                        <p:par>
+                          <p:cTn id="18" fill="hold">
+                            <p:stCondLst>
+                              <p:cond delay="0"/>
+                            </p:stCondLst>
+                            <p:childTnLst>
+                              <p:par>
+                                <p:cTn id="19" presetID="2" presetClass="entr" presetSubtype="4" fill="hold" nodeType="clickEffect">
+                                  <p:stCondLst>
+                                    <p:cond delay="0"/>
+                                  </p:stCondLst>
+                                  <p:childTnLst>
+                                    <p:set>
+                                      <p:cBhvr>
+                                        <p:cTn id="20" dur="1" fill="hold">
+                                          <p:stCondLst>
+                                            <p:cond delay="0"/>
+                                          </p:stCondLst>
+                                        </p:cTn>
+                                        <p:tgtEl>
+                                          <p:spTgt spid="3">
+                                            <p:txEl>
+                                              <p:pRg st="7" end="7"/>
+                                            </p:txEl>
+                                          </p:spTgt>
+                                        </p:tgtEl>
+                                        <p:attrNameLst>
+                                          <p:attrName>style.visibility</p:attrName>
+                                        </p:attrNameLst>
+                                      </p:cBhvr>
+                                      <p:to>
+                                        <p:strVal val="visible"/>
+                                      </p:to>
+                                    </p:set>
+                                    <p:anim calcmode="lin" valueType="num">
+                                      <p:cBhvr additive="base">
+                                        <p:cTn id="21" dur="500" fill="hold"/>
+                                        <p:tgtEl>
+                                          <p:spTgt spid="3">
+                                            <p:txEl>
+                                              <p:pRg st="7" end="7"/>
+                                            </p:txEl>
+                                          </p:spTgt>
+                                        </p:tgtEl>
+                                        <p:attrNameLst>
+                                          <p:attrName>ppt_x</p:attrName>
+                                        </p:attrNameLst>
+                                      </p:cBhvr>
+                                      <p:tavLst>
+                                        <p:tav tm="0">
+                                          <p:val>
+                                            <p:strVal val="#ppt_x"/>
+                                          </p:val>
+                                        </p:tav>
+                                        <p:tav tm="100000">
+                                          <p:val>
+                                            <p:strVal val="#ppt_x"/>
+                                          </p:val>
+                                        </p:tav>
+                                      </p:tavLst>
+                                    </p:anim>
+                                    <p:anim calcmode="lin" valueType="num">
+                                      <p:cBhvr additive="base">
+                                        <p:cTn id="22" dur="500" fill="hold"/>
+                                        <p:tgtEl>
+                                          <p:spTgt spid="3">
+                                            <p:txEl>
+                                              <p:pRg st="7" end="7"/>
+                                            </p:txEl>
+                                          </p:spTgt>
+                                        </p:tgtEl>
+                                        <p:attrNameLst>
+                                          <p:attrName>ppt_y</p:attrName>
+                                        </p:attrNameLst>
+                                      </p:cBhvr>
+                                      <p:tavLst>
+                                        <p:tav tm="0">
+                                          <p:val>
+                                            <p:strVal val="1+#ppt_h/2"/>
+                                          </p:val>
+                                        </p:tav>
+                                        <p:tav tm="100000">
+                                          <p:val>
+                                            <p:strVal val="#ppt_y"/>
+                                          </p:val>
+                                        </p:tav>
+                                      </p:tavLst>
+                                    </p:anim>
+                                  </p:childTnLst>
+                                </p:cTn>
+                              </p:par>
+                            </p:childTnLst>
+                          </p:cTn>
+                        </p:par>
+                      </p:childTnLst>
+                    </p:cTn>
+                  </p:par>
+                  <p:par>
+                    <p:cTn id="23" fill="hold">
+                      <p:stCondLst>
+                        <p:cond delay="indefinite"/>
+                      </p:stCondLst>
+                      <p:childTnLst>
+                        <p:par>
+                          <p:cTn id="24" fill="hold">
+                            <p:stCondLst>
+                              <p:cond delay="0"/>
+                            </p:stCondLst>
+                            <p:childTnLst>
+                              <p:par>
+                                <p:cTn id="25" presetID="2" presetClass="entr" presetSubtype="4" fill="hold" nodeType="clickEffect">
+                                  <p:stCondLst>
+                                    <p:cond delay="0"/>
+                                  </p:stCondLst>
+                                  <p:childTnLst>
+                                    <p:set>
+                                      <p:cBhvr>
+                                        <p:cTn id="26" dur="1" fill="hold">
+                                          <p:stCondLst>
+                                            <p:cond delay="0"/>
+                                          </p:stCondLst>
+                                        </p:cTn>
+                                        <p:tgtEl>
+                                          <p:spTgt spid="3">
+                                            <p:txEl>
+                                              <p:pRg st="8" end="8"/>
+                                            </p:txEl>
+                                          </p:spTgt>
+                                        </p:tgtEl>
+                                        <p:attrNameLst>
+                                          <p:attrName>style.visibility</p:attrName>
+                                        </p:attrNameLst>
+                                      </p:cBhvr>
+                                      <p:to>
+                                        <p:strVal val="visible"/>
+                                      </p:to>
+                                    </p:set>
+                                    <p:anim calcmode="lin" valueType="num">
+                                      <p:cBhvr additive="base">
+                                        <p:cTn id="27" dur="500" fill="hold"/>
+                                        <p:tgtEl>
+                                          <p:spTgt spid="3">
+                                            <p:txEl>
+                                              <p:pRg st="8" end="8"/>
+                                            </p:txEl>
+                                          </p:spTgt>
+                                        </p:tgtEl>
+                                        <p:attrNameLst>
+                                          <p:attrName>ppt_x</p:attrName>
+                                        </p:attrNameLst>
+                                      </p:cBhvr>
+                                      <p:tavLst>
+                                        <p:tav tm="0">
+                                          <p:val>
+                                            <p:strVal val="#ppt_x"/>
+                                          </p:val>
+                                        </p:tav>
+                                        <p:tav tm="100000">
+                                          <p:val>
+                                            <p:strVal val="#ppt_x"/>
+                                          </p:val>
+                                        </p:tav>
+                                      </p:tavLst>
+                                    </p:anim>
+                                    <p:anim calcmode="lin" valueType="num">
+                                      <p:cBhvr additive="base">
+                                        <p:cTn id="28" dur="500" fill="hold"/>
+                                        <p:tgtEl>
+                                          <p:spTgt spid="3">
+                                            <p:txEl>
+                                              <p:pRg st="8" end="8"/>
+                                            </p:txEl>
+                                          </p:spTgt>
+                                        </p:tgtEl>
+                                        <p:attrNameLst>
+                                          <p:attrName>ppt_y</p:attrName>
+                                        </p:attrNameLst>
+                                      </p:cBhvr>
+                                      <p:tavLst>
+                                        <p:tav tm="0">
+                                          <p:val>
+                                            <p:strVal val="1+#ppt_h/2"/>
+                                          </p:val>
+                                        </p:tav>
+                                        <p:tav tm="100000">
+                                          <p:val>
+                                            <p:strVal val="#ppt_y"/>
+                                          </p:val>
+                                        </p:tav>
+                                      </p:tavLst>
+                                    </p:anim>
+                                  </p:childTnLst>
+                                </p:cTn>
+                              </p:par>
+                            </p:childTnLst>
+                          </p:cTn>
+                        </p:par>
+                      </p:childTnLst>
+                    </p:cTn>
+                  </p:par>
+                </p:childTnLst>
+              </p:cTn>
+              <p:prevCondLst>
+                <p:cond evt="onPrev" delay="0">
+                  <p:tgtEl>
+                    <p:sldTgt/>
+                  </p:tgtEl>
+                </p:cond>
+              </p:prevCondLst>
+              <p:nextCondLst>
+                <p:cond evt="onNext" delay="0">
+                  <p:tgtEl>
+                    <p:sldTgt/>
+                  </p:tgtEl>
+                </p:cond>
+              </p:nextCondLst>
+            </p:seq>
+          </p:childTnLst>
+        </p:cTn>
+      </p:par>
+    </p:tnLst>
+    <p:bldLst>
+      <p:bldP spid="5" grpId="0"/>
+    </p:bldLst>
+  </p:timing>
 </p:sld>
 </file>
 
